--- a/Project Delivery Summary & Value Realization_v0.1.pptx
+++ b/Project Delivery Summary & Value Realization_v0.1.pptx
@@ -5,17 +5,18 @@
     <p:sldMasterId id="2147483660" r:id="rId4"/>
   </p:sldMasterIdLst>
   <p:notesMasterIdLst>
-    <p:notesMasterId r:id="rId13"/>
+    <p:notesMasterId r:id="rId14"/>
   </p:notesMasterIdLst>
   <p:sldIdLst>
     <p:sldId id="256" r:id="rId5"/>
     <p:sldId id="2147479112" r:id="rId6"/>
-    <p:sldId id="2147479125" r:id="rId7"/>
+    <p:sldId id="2147479128" r:id="rId7"/>
     <p:sldId id="2147479126" r:id="rId8"/>
     <p:sldId id="2147479127" r:id="rId9"/>
     <p:sldId id="2147376316" r:id="rId10"/>
     <p:sldId id="2147479116" r:id="rId11"/>
-    <p:sldId id="2147479124" r:id="rId12"/>
+    <p:sldId id="2147479125" r:id="rId12"/>
+    <p:sldId id="2147479124" r:id="rId13"/>
   </p:sldIdLst>
   <p:sldSz cx="12192000" cy="6858000"/>
   <p:notesSz cx="6858000" cy="9144000"/>
@@ -212,7 +213,7 @@
           <a:p>
             <a:fld id="{EF340FA3-CF6B-49A5-8AE9-80E5A5B13085}" type="datetimeFigureOut">
               <a:rPr lang="en-US" smtClean="0"/>
-              <a:t>4/29/2025</a:t>
+              <a:t>4/29/25</a:t>
             </a:fld>
             <a:endParaRPr lang="en-US"/>
           </a:p>
@@ -7412,8 +7413,8 @@
         </p:nvSpPr>
         <p:spPr>
           <a:xfrm>
-            <a:off x="450377" y="1419368"/>
-            <a:ext cx="2893324" cy="3098042"/>
+            <a:off x="450377" y="1419367"/>
+            <a:ext cx="9946690" cy="3179827"/>
           </a:xfrm>
           <a:prstGeom prst="roundRect">
             <a:avLst/>
@@ -8148,114 +8149,6 @@
       </p:cxnSp>
       <p:sp>
         <p:nvSpPr>
-          <p:cNvPr id="3" name="Rectangle: Rounded Corners 2">
-            <a:extLst>
-              <a:ext uri="{FF2B5EF4-FFF2-40B4-BE49-F238E27FC236}">
-                <a16:creationId xmlns:a16="http://schemas.microsoft.com/office/drawing/2014/main" id="{D0868280-6906-1566-6BA7-773F35D1A215}"/>
-              </a:ext>
-            </a:extLst>
-          </p:cNvPr>
-          <p:cNvSpPr/>
-          <p:nvPr/>
-        </p:nvSpPr>
-        <p:spPr>
-          <a:xfrm>
-            <a:off x="4418283" y="1419368"/>
-            <a:ext cx="2893324" cy="3098042"/>
-          </a:xfrm>
-          <a:prstGeom prst="roundRect">
-            <a:avLst/>
-          </a:prstGeom>
-          <a:solidFill>
-            <a:schemeClr val="bg1"/>
-          </a:solidFill>
-          <a:ln w="9525">
-            <a:solidFill>
-              <a:schemeClr val="accent1"/>
-            </a:solidFill>
-          </a:ln>
-        </p:spPr>
-        <p:style>
-          <a:lnRef idx="2">
-            <a:schemeClr val="accent1">
-              <a:shade val="50000"/>
-            </a:schemeClr>
-          </a:lnRef>
-          <a:fillRef idx="1">
-            <a:schemeClr val="accent1"/>
-          </a:fillRef>
-          <a:effectRef idx="0">
-            <a:schemeClr val="accent1"/>
-          </a:effectRef>
-          <a:fontRef idx="minor">
-            <a:schemeClr val="lt1"/>
-          </a:fontRef>
-        </p:style>
-        <p:txBody>
-          <a:bodyPr rtlCol="0" anchor="ctr"/>
-          <a:lstStyle/>
-          <a:p>
-            <a:pPr algn="ctr"/>
-            <a:endParaRPr lang="en-US"/>
-          </a:p>
-        </p:txBody>
-      </p:sp>
-      <p:sp>
-        <p:nvSpPr>
-          <p:cNvPr id="5" name="Rectangle: Rounded Corners 4">
-            <a:extLst>
-              <a:ext uri="{FF2B5EF4-FFF2-40B4-BE49-F238E27FC236}">
-                <a16:creationId xmlns:a16="http://schemas.microsoft.com/office/drawing/2014/main" id="{7CD20B6B-7C0C-FBF9-F45A-5265C31F572B}"/>
-              </a:ext>
-            </a:extLst>
-          </p:cNvPr>
-          <p:cNvSpPr/>
-          <p:nvPr/>
-        </p:nvSpPr>
-        <p:spPr>
-          <a:xfrm>
-            <a:off x="8402808" y="1371491"/>
-            <a:ext cx="2893324" cy="3098042"/>
-          </a:xfrm>
-          <a:prstGeom prst="roundRect">
-            <a:avLst/>
-          </a:prstGeom>
-          <a:solidFill>
-            <a:schemeClr val="bg1"/>
-          </a:solidFill>
-          <a:ln w="9525">
-            <a:solidFill>
-              <a:schemeClr val="accent1"/>
-            </a:solidFill>
-          </a:ln>
-        </p:spPr>
-        <p:style>
-          <a:lnRef idx="2">
-            <a:schemeClr val="accent1">
-              <a:shade val="50000"/>
-            </a:schemeClr>
-          </a:lnRef>
-          <a:fillRef idx="1">
-            <a:schemeClr val="accent1"/>
-          </a:fillRef>
-          <a:effectRef idx="0">
-            <a:schemeClr val="accent1"/>
-          </a:effectRef>
-          <a:fontRef idx="minor">
-            <a:schemeClr val="lt1"/>
-          </a:fontRef>
-        </p:style>
-        <p:txBody>
-          <a:bodyPr rtlCol="0" anchor="ctr"/>
-          <a:lstStyle/>
-          <a:p>
-            <a:pPr algn="ctr"/>
-            <a:endParaRPr lang="en-US"/>
-          </a:p>
-        </p:txBody>
-      </p:sp>
-      <p:sp>
-        <p:nvSpPr>
           <p:cNvPr id="11" name="TextBox 10">
             <a:extLst>
               <a:ext uri="{FF2B5EF4-FFF2-40B4-BE49-F238E27FC236}">
@@ -8268,7 +8161,7 @@
         </p:nvSpPr>
         <p:spPr>
           <a:xfrm>
-            <a:off x="1076998" y="1675276"/>
+            <a:off x="1074649" y="1561188"/>
             <a:ext cx="2048694" cy="369332"/>
           </a:xfrm>
           <a:prstGeom prst="rect">
@@ -8305,7 +8198,7 @@
         <p:spPr>
           <a:xfrm>
             <a:off x="688474" y="2156346"/>
-            <a:ext cx="2437218" cy="2400657"/>
+            <a:ext cx="9211882" cy="2359620"/>
           </a:xfrm>
           <a:prstGeom prst="rect">
             <a:avLst/>
@@ -8318,368 +8211,83 @@
           </a:bodyPr>
           <a:lstStyle/>
           <a:p>
-            <a:pPr marL="171450" indent="-171450">
+            <a:pPr marL="173736" indent="-173736" algn="l" rtl="0" eaLnBrk="1" latinLnBrk="0" hangingPunct="1">
+              <a:spcAft>
+                <a:spcPts val="1000"/>
+              </a:spcAft>
               <a:buFont typeface="Arial" panose="020B0604020202020204" pitchFamily="34" charset="0"/>
               <a:buChar char="•"/>
             </a:pPr>
             <a:r>
-              <a:rPr lang="en-US" sz="1000" b="1" dirty="0">
-                <a:solidFill>
-                  <a:schemeClr val="accent1"/>
-                </a:solidFill>
-                <a:latin typeface="Arial" panose="020B0604020202020204" pitchFamily="34" charset="0"/>
-                <a:cs typeface="Arial" panose="020B0604020202020204" pitchFamily="34" charset="0"/>
+              <a:rPr lang="en-CA" sz="1600" dirty="0">
+                <a:latin typeface="+mj-lt"/>
+                <a:cs typeface="Arial" pitchFamily="34" charset="0"/>
               </a:rPr>
-              <a:t>Successful</a:t>
-            </a:r>
-            <a:r>
-              <a:rPr lang="en-US" sz="1000" dirty="0">
-                <a:latin typeface="Arial" panose="020B0604020202020204" pitchFamily="34" charset="0"/>
-                <a:cs typeface="Arial" panose="020B0604020202020204" pitchFamily="34" charset="0"/>
-              </a:rPr>
-              <a:t> delivery of high-impact technical improvements, resulting in tangible benefits</a:t>
-            </a:r>
-          </a:p>
-          <a:p>
-            <a:pPr marL="171450" indent="-171450">
+              <a:t>Effective implementation of significant technical advancements, leading to measurable advantages.</a:t>
+            </a:r>
+          </a:p>
+          <a:p>
+            <a:pPr marL="173736" indent="-173736" algn="l" rtl="0" eaLnBrk="1" latinLnBrk="0" hangingPunct="1">
+              <a:spcAft>
+                <a:spcPts val="1000"/>
+              </a:spcAft>
               <a:buFont typeface="Arial" panose="020B0604020202020204" pitchFamily="34" charset="0"/>
               <a:buChar char="•"/>
             </a:pPr>
             <a:r>
-              <a:rPr lang="en-US" sz="1000" b="1" dirty="0">
-                <a:solidFill>
-                  <a:schemeClr val="accent1"/>
-                </a:solidFill>
-                <a:latin typeface="Arial" panose="020B0604020202020204" pitchFamily="34" charset="0"/>
-                <a:cs typeface="Arial" panose="020B0604020202020204" pitchFamily="34" charset="0"/>
+              <a:rPr lang="en-CA" sz="1600" dirty="0">
+                <a:latin typeface="+mj-lt"/>
+                <a:cs typeface="Arial" pitchFamily="34" charset="0"/>
               </a:rPr>
-              <a:t>Reduced technical debt </a:t>
-            </a:r>
-            <a:r>
-              <a:rPr lang="en-US" sz="1000" dirty="0">
-                <a:latin typeface="Arial" panose="020B0604020202020204" pitchFamily="34" charset="0"/>
-                <a:cs typeface="Arial" panose="020B0604020202020204" pitchFamily="34" charset="0"/>
-              </a:rPr>
-              <a:t>and resolution of longstanding critical issues, improving system overall health &amp; stability</a:t>
-            </a:r>
-          </a:p>
-          <a:p>
-            <a:pPr marL="171450" indent="-171450">
+              <a:t>Minimised technical debt and addressed persistent critical problems, enhancing the overall health and stability of the system.</a:t>
+            </a:r>
+          </a:p>
+          <a:p>
+            <a:pPr marL="173736" indent="-173736" algn="l" rtl="0" eaLnBrk="1" latinLnBrk="0" hangingPunct="1">
+              <a:spcAft>
+                <a:spcPts val="1000"/>
+              </a:spcAft>
               <a:buFont typeface="Arial" panose="020B0604020202020204" pitchFamily="34" charset="0"/>
               <a:buChar char="•"/>
             </a:pPr>
             <a:r>
-              <a:rPr lang="en-US" sz="1000" b="1" dirty="0">
-                <a:solidFill>
-                  <a:schemeClr val="accent1"/>
-                </a:solidFill>
-                <a:latin typeface="Arial" panose="020B0604020202020204" pitchFamily="34" charset="0"/>
-                <a:cs typeface="Arial" panose="020B0604020202020204" pitchFamily="34" charset="0"/>
+              <a:rPr lang="en-CA" sz="1600" dirty="0">
+                <a:latin typeface="+mj-lt"/>
+                <a:cs typeface="Arial" pitchFamily="34" charset="0"/>
               </a:rPr>
-              <a:t>Enabled future scalability </a:t>
-            </a:r>
-            <a:r>
-              <a:rPr lang="en-US" sz="1000" dirty="0">
-                <a:latin typeface="Arial" panose="020B0604020202020204" pitchFamily="34" charset="0"/>
-                <a:cs typeface="Arial" panose="020B0604020202020204" pitchFamily="34" charset="0"/>
-              </a:rPr>
-              <a:t>and established a robust foundation for external integration like </a:t>
-            </a:r>
-            <a:r>
-              <a:rPr lang="en-US" sz="1000" b="1" dirty="0">
-                <a:latin typeface="Arial" panose="020B0604020202020204" pitchFamily="34" charset="0"/>
-                <a:cs typeface="Arial" panose="020B0604020202020204" pitchFamily="34" charset="0"/>
-              </a:rPr>
-              <a:t>KLI</a:t>
-            </a:r>
-            <a:r>
-              <a:rPr lang="en-US" sz="1000" dirty="0">
-                <a:latin typeface="Arial" panose="020B0604020202020204" pitchFamily="34" charset="0"/>
-                <a:cs typeface="Arial" panose="020B0604020202020204" pitchFamily="34" charset="0"/>
-              </a:rPr>
-              <a:t> , </a:t>
-            </a:r>
-            <a:r>
-              <a:rPr lang="en-US" sz="1000" b="1" dirty="0">
-                <a:latin typeface="Arial" panose="020B0604020202020204" pitchFamily="34" charset="0"/>
-                <a:cs typeface="Arial" panose="020B0604020202020204" pitchFamily="34" charset="0"/>
-              </a:rPr>
-              <a:t>Energy Utilities &amp; IQVIA opportunities</a:t>
-            </a:r>
-          </a:p>
-          <a:p>
-            <a:pPr marL="171450" indent="-171450">
+              <a:t>Facilitated future scalability and created a solid groundwork for external integrations such as KLI, Energy Utilities, and IQVIA opportunities.</a:t>
+            </a:r>
+          </a:p>
+          <a:p>
+            <a:pPr marL="173736" indent="-173736" algn="l" rtl="0" eaLnBrk="1" latinLnBrk="0" hangingPunct="1">
+              <a:spcAft>
+                <a:spcPts val="1000"/>
+              </a:spcAft>
               <a:buFont typeface="Arial" panose="020B0604020202020204" pitchFamily="34" charset="0"/>
               <a:buChar char="•"/>
             </a:pPr>
             <a:r>
-              <a:rPr lang="en-US" sz="1000" b="1" dirty="0">
+              <a:rPr lang="en-CA" sz="1600" dirty="0">
+                <a:latin typeface="+mj-lt"/>
+                <a:cs typeface="Arial" pitchFamily="34" charset="0"/>
+              </a:rPr>
+              <a:t>Improved system performance, automation, and smooth data integration.</a:t>
+            </a:r>
+          </a:p>
+          <a:p>
+            <a:pPr>
+              <a:buNone/>
+            </a:pPr>
+            <a:br>
+              <a:rPr lang="en-CA" sz="900" dirty="0">
                 <a:solidFill>
-                  <a:schemeClr val="accent1"/>
+                  <a:srgbClr val="000000"/>
                 </a:solidFill>
+                <a:effectLst/>
                 <a:latin typeface="Arial" panose="020B0604020202020204" pitchFamily="34" charset="0"/>
-                <a:cs typeface="Arial" panose="020B0604020202020204" pitchFamily="34" charset="0"/>
               </a:rPr>
-              <a:t>Enhanced system performance</a:t>
-            </a:r>
-            <a:r>
-              <a:rPr lang="en-US" sz="1000" dirty="0">
-                <a:latin typeface="Arial" panose="020B0604020202020204" pitchFamily="34" charset="0"/>
-                <a:cs typeface="Arial" panose="020B0604020202020204" pitchFamily="34" charset="0"/>
-              </a:rPr>
-              <a:t>, automation, and seamless data integration</a:t>
-            </a:r>
-          </a:p>
-          <a:p>
-            <a:endParaRPr lang="en-US" sz="1000" dirty="0"/>
-          </a:p>
-        </p:txBody>
-      </p:sp>
-      <p:sp>
-        <p:nvSpPr>
-          <p:cNvPr id="13" name="TextBox 12">
-            <a:extLst>
-              <a:ext uri="{FF2B5EF4-FFF2-40B4-BE49-F238E27FC236}">
-                <a16:creationId xmlns:a16="http://schemas.microsoft.com/office/drawing/2014/main" id="{2331314B-41D5-F93A-5878-DC4765B1D8B0}"/>
-              </a:ext>
-            </a:extLst>
-          </p:cNvPr>
-          <p:cNvSpPr txBox="1"/>
-          <p:nvPr/>
-        </p:nvSpPr>
-        <p:spPr>
-          <a:xfrm>
-            <a:off x="4763071" y="1675276"/>
-            <a:ext cx="2243715" cy="369332"/>
-          </a:xfrm>
-          <a:prstGeom prst="rect">
-            <a:avLst/>
-          </a:prstGeom>
-          <a:noFill/>
-        </p:spPr>
-        <p:txBody>
-          <a:bodyPr wrap="square" rtlCol="0">
-            <a:spAutoFit/>
-          </a:bodyPr>
-          <a:lstStyle/>
-          <a:p>
-            <a:r>
-              <a:rPr lang="en-IN" dirty="0"/>
-              <a:t>Project F.I.R.E. Scope</a:t>
-            </a:r>
-            <a:endParaRPr lang="en-US" dirty="0"/>
-          </a:p>
-        </p:txBody>
-      </p:sp>
-      <p:sp>
-        <p:nvSpPr>
-          <p:cNvPr id="20" name="TextBox 19">
-            <a:extLst>
-              <a:ext uri="{FF2B5EF4-FFF2-40B4-BE49-F238E27FC236}">
-                <a16:creationId xmlns:a16="http://schemas.microsoft.com/office/drawing/2014/main" id="{E1182153-1EEE-6DE4-CF64-F13A6BC96B0A}"/>
-              </a:ext>
-            </a:extLst>
-          </p:cNvPr>
-          <p:cNvSpPr txBox="1"/>
-          <p:nvPr/>
-        </p:nvSpPr>
-        <p:spPr>
-          <a:xfrm>
-            <a:off x="8529852" y="1672378"/>
-            <a:ext cx="2711512" cy="369332"/>
-          </a:xfrm>
-          <a:prstGeom prst="rect">
-            <a:avLst/>
-          </a:prstGeom>
-          <a:noFill/>
-        </p:spPr>
-        <p:txBody>
-          <a:bodyPr wrap="square" rtlCol="0">
-            <a:spAutoFit/>
-          </a:bodyPr>
-          <a:lstStyle/>
-          <a:p>
-            <a:r>
-              <a:rPr lang="en-IN" dirty="0"/>
-              <a:t>Key Fixes &amp; Enhancements</a:t>
-            </a:r>
-            <a:endParaRPr lang="en-US" dirty="0"/>
-          </a:p>
-        </p:txBody>
-      </p:sp>
-      <p:sp>
-        <p:nvSpPr>
-          <p:cNvPr id="28" name="TextBox 27">
-            <a:extLst>
-              <a:ext uri="{FF2B5EF4-FFF2-40B4-BE49-F238E27FC236}">
-                <a16:creationId xmlns:a16="http://schemas.microsoft.com/office/drawing/2014/main" id="{628DE1FC-1F96-E076-C847-66387F2FCA8B}"/>
-              </a:ext>
-            </a:extLst>
-          </p:cNvPr>
-          <p:cNvSpPr txBox="1"/>
-          <p:nvPr/>
-        </p:nvSpPr>
-        <p:spPr>
-          <a:xfrm>
-            <a:off x="4643834" y="2116047"/>
-            <a:ext cx="2429299" cy="2354491"/>
-          </a:xfrm>
-          <a:prstGeom prst="rect">
-            <a:avLst/>
-          </a:prstGeom>
-          <a:noFill/>
-        </p:spPr>
-        <p:txBody>
-          <a:bodyPr wrap="square" rtlCol="0">
-            <a:spAutoFit/>
-          </a:bodyPr>
-          <a:lstStyle/>
-          <a:p>
-            <a:r>
-              <a:rPr lang="en-US" sz="1050" b="1" dirty="0">
-                <a:solidFill>
-                  <a:schemeClr val="accent1"/>
-                </a:solidFill>
-              </a:rPr>
-              <a:t>FIX</a:t>
-            </a:r>
-            <a:r>
-              <a:rPr lang="en-US" sz="1050" dirty="0"/>
-              <a:t> - Resolution of 10 critical pending defects in collaboration with REDI team</a:t>
-            </a:r>
-          </a:p>
-          <a:p>
-            <a:r>
-              <a:rPr lang="en-US" sz="1050" b="1" dirty="0">
-                <a:solidFill>
-                  <a:schemeClr val="accent1"/>
-                </a:solidFill>
-              </a:rPr>
-              <a:t>Integration</a:t>
-            </a:r>
-            <a:r>
-              <a:rPr lang="en-US" sz="1050" dirty="0"/>
-              <a:t> - key automations and integrations designed for future growth and external connectivity like KLI, Demographic Update, Energy Utility for Reporting , IQVIA to update Mkt Research Data &amp; Location Alignment.</a:t>
-            </a:r>
-          </a:p>
-          <a:p>
-            <a:r>
-              <a:rPr lang="en-US" sz="1050" b="1" dirty="0">
-                <a:solidFill>
-                  <a:schemeClr val="accent1"/>
-                </a:solidFill>
-              </a:rPr>
-              <a:t>Re-Engineering</a:t>
-            </a:r>
-            <a:r>
-              <a:rPr lang="en-US" sz="1050" dirty="0"/>
-              <a:t> - Reengineering of previously non-functional SQL Agent Jobs, ensuring reliable operation.</a:t>
-            </a:r>
-          </a:p>
-          <a:p>
-            <a:r>
-              <a:rPr lang="en-US" sz="1050" b="1" dirty="0">
-                <a:solidFill>
-                  <a:schemeClr val="accent1"/>
-                </a:solidFill>
-              </a:rPr>
-              <a:t>Evolve</a:t>
-            </a:r>
-            <a:r>
-              <a:rPr lang="en-US" sz="1050" dirty="0"/>
-              <a:t> - Infrastructure and architecture enhancements</a:t>
-            </a:r>
-          </a:p>
-          <a:p>
-            <a:endParaRPr lang="en-US" sz="1050" dirty="0"/>
-          </a:p>
-        </p:txBody>
-      </p:sp>
-      <p:sp>
-        <p:nvSpPr>
-          <p:cNvPr id="29" name="TextBox 28">
-            <a:extLst>
-              <a:ext uri="{FF2B5EF4-FFF2-40B4-BE49-F238E27FC236}">
-                <a16:creationId xmlns:a16="http://schemas.microsoft.com/office/drawing/2014/main" id="{278FD93F-4FEC-3164-BD8C-CF15FF284901}"/>
-              </a:ext>
-            </a:extLst>
-          </p:cNvPr>
-          <p:cNvSpPr txBox="1"/>
-          <p:nvPr/>
-        </p:nvSpPr>
-        <p:spPr>
-          <a:xfrm>
-            <a:off x="8685703" y="1980428"/>
-            <a:ext cx="2429299" cy="2677656"/>
-          </a:xfrm>
-          <a:prstGeom prst="rect">
-            <a:avLst/>
-          </a:prstGeom>
-          <a:noFill/>
-        </p:spPr>
-        <p:txBody>
-          <a:bodyPr wrap="square" rtlCol="0">
-            <a:spAutoFit/>
-          </a:bodyPr>
-          <a:lstStyle/>
-          <a:p>
-            <a:r>
-              <a:rPr lang="en-US" sz="1050" b="1" dirty="0">
-                <a:solidFill>
-                  <a:schemeClr val="accent1"/>
-                </a:solidFill>
-              </a:rPr>
-              <a:t>Critical Defect Resolutions</a:t>
-            </a:r>
-            <a:r>
-              <a:rPr lang="en-US" sz="1050" dirty="0"/>
-              <a:t> - Long-pending issues were resolved, significantly improving system stability and user experience</a:t>
-            </a:r>
-          </a:p>
-          <a:p>
-            <a:r>
-              <a:rPr lang="en-US" sz="1050" b="1" dirty="0">
-                <a:solidFill>
-                  <a:schemeClr val="accent1"/>
-                </a:solidFill>
-              </a:rPr>
-              <a:t>SQL Agent Job Reengineering</a:t>
-            </a:r>
-            <a:r>
-              <a:rPr lang="en-US" sz="1050" dirty="0"/>
-              <a:t> - Non-working jobs were refactored using standard patterns and best practices, leading to a  reduction in job failures.</a:t>
-            </a:r>
-          </a:p>
-          <a:p>
-            <a:r>
-              <a:rPr lang="en-US" sz="1050" b="1" dirty="0">
-                <a:solidFill>
-                  <a:schemeClr val="accent1"/>
-                </a:solidFill>
-              </a:rPr>
-              <a:t>CLR Procedure Fix</a:t>
-            </a:r>
-            <a:r>
-              <a:rPr lang="en-US" sz="1050" dirty="0"/>
-              <a:t> - Critical issue affecting job execution was resolved in collaboration with Microsoft after a year-long delay, restoring key data update processes.</a:t>
-            </a:r>
-          </a:p>
-          <a:p>
-            <a:r>
-              <a:rPr lang="en-US" sz="1050" b="1" dirty="0">
-                <a:solidFill>
-                  <a:schemeClr val="accent1"/>
-                </a:solidFill>
-              </a:rPr>
-              <a:t>Key Integration</a:t>
-            </a:r>
-            <a:r>
-              <a:rPr lang="en-US" sz="1050" dirty="0"/>
-              <a:t> – KLI for Demographic Updates, Energy Utilities &amp; IQVIA</a:t>
-            </a:r>
-          </a:p>
-          <a:p>
-            <a:endParaRPr lang="en-US" sz="1050" dirty="0"/>
+            </a:br>
+            <a:endParaRPr lang="en-US" sz="900" dirty="0"/>
           </a:p>
         </p:txBody>
       </p:sp>
@@ -8727,7 +8335,7 @@
                   <a:schemeClr val="bg1"/>
                 </a:solidFill>
               </a:rPr>
-              <a:t>01/06/2025</a:t>
+              <a:t>04/30/2025</a:t>
             </a:r>
             <a:endParaRPr lang="en-US" sz="1200" dirty="0">
               <a:solidFill>
@@ -8763,31 +8371,30 @@
           <a:bodyPr wrap="square" rtlCol="0">
             <a:spAutoFit/>
           </a:bodyPr>
-          <a:lstStyle/>
-          <a:p>
-            <a:r>
-              <a:rPr lang="en-IN" sz="1200" dirty="0">
+          <a:lstStyle>
+            <a:defPPr>
+              <a:defRPr lang="en-US"/>
+            </a:defPPr>
+            <a:lvl1pPr>
+              <a:defRPr sz="1200">
                 <a:solidFill>
                   <a:schemeClr val="bg1"/>
                 </a:solidFill>
-              </a:rPr>
+              </a:defRPr>
+            </a:lvl1pPr>
+          </a:lstStyle>
+          <a:p>
+            <a:r>
+              <a:rPr lang="en-IN"/>
               <a:t>Requirement Sign-Off</a:t>
             </a:r>
           </a:p>
           <a:p>
             <a:r>
-              <a:rPr lang="en-IN" sz="1200" dirty="0">
-                <a:solidFill>
-                  <a:schemeClr val="bg1"/>
-                </a:solidFill>
-              </a:rPr>
+              <a:rPr lang="en-IN"/>
               <a:t>01/09/2025</a:t>
             </a:r>
-            <a:endParaRPr lang="en-US" sz="1200" dirty="0">
-              <a:solidFill>
-                <a:schemeClr val="bg1"/>
-              </a:solidFill>
-            </a:endParaRPr>
+            <a:endParaRPr lang="en-US" dirty="0"/>
           </a:p>
         </p:txBody>
       </p:sp>
@@ -8928,18 +8535,62 @@
           <a:lstStyle/>
           <a:p>
             <a:r>
-              <a:rPr lang="en-IN" sz="1200" dirty="0">
+              <a:rPr lang="en-CA" sz="1200" dirty="0">
                 <a:solidFill>
                   <a:schemeClr val="bg1"/>
                 </a:solidFill>
+                <a:effectLst/>
+                <a:latin typeface="Calibri" panose="020F0502020204030204" pitchFamily="34" charset="0"/>
               </a:rPr>
-              <a:t>Defect Resolution 04/09/2025</a:t>
+              <a:t>Defect Resolution Date: 04/09/2025</a:t>
             </a:r>
             <a:endParaRPr lang="en-US" sz="1200" dirty="0">
               <a:solidFill>
                 <a:schemeClr val="bg1"/>
               </a:solidFill>
             </a:endParaRPr>
+          </a:p>
+        </p:txBody>
+      </p:sp>
+      <p:sp>
+        <p:nvSpPr>
+          <p:cNvPr id="10" name="TextBox 9">
+            <a:extLst>
+              <a:ext uri="{FF2B5EF4-FFF2-40B4-BE49-F238E27FC236}">
+                <a16:creationId xmlns:a16="http://schemas.microsoft.com/office/drawing/2014/main" id="{1429DF69-3846-1EE3-BD2B-F926041CDEE1}"/>
+              </a:ext>
+            </a:extLst>
+          </p:cNvPr>
+          <p:cNvSpPr txBox="1"/>
+          <p:nvPr/>
+        </p:nvSpPr>
+        <p:spPr>
+          <a:xfrm>
+            <a:off x="752166" y="967716"/>
+            <a:ext cx="6254620" cy="369332"/>
+          </a:xfrm>
+          <a:prstGeom prst="rect">
+            <a:avLst/>
+          </a:prstGeom>
+          <a:noFill/>
+        </p:spPr>
+        <p:txBody>
+          <a:bodyPr wrap="square" rtlCol="0">
+            <a:spAutoFit/>
+          </a:bodyPr>
+          <a:lstStyle/>
+          <a:p>
+            <a:r>
+              <a:rPr lang="en-CA" sz="1800">
+                <a:solidFill>
+                  <a:srgbClr val="000000"/>
+                </a:solidFill>
+                <a:effectLst/>
+                <a:latin typeface="Calibri" panose="020F0502020204030204" pitchFamily="34" charset="0"/>
+              </a:rPr>
+              <a:t>Overview of Major Deliverables, Schedules, and Value Generated</a:t>
+            </a:r>
+            <a:endParaRPr lang="en-US" dirty="0"/>
           </a:p>
         </p:txBody>
       </p:sp>
@@ -8957,6 +8608,1274 @@
 </file>
 
 <file path=ppt/slides/slide3.xml><?xml version="1.0" encoding="utf-8"?>
+<p:sld xmlns:a="http://schemas.openxmlformats.org/drawingml/2006/main" xmlns:r="http://schemas.openxmlformats.org/officeDocument/2006/relationships" xmlns:p="http://schemas.openxmlformats.org/presentationml/2006/main">
+  <p:cSld>
+    <p:spTree>
+      <p:nvGrpSpPr>
+        <p:cNvPr id="1" name=""/>
+        <p:cNvGrpSpPr/>
+        <p:nvPr/>
+      </p:nvGrpSpPr>
+      <p:grpSpPr>
+        <a:xfrm>
+          <a:off x="0" y="0"/>
+          <a:ext cx="0" cy="0"/>
+          <a:chOff x="0" y="0"/>
+          <a:chExt cx="0" cy="0"/>
+        </a:xfrm>
+      </p:grpSpPr>
+      <p:sp>
+        <p:nvSpPr>
+          <p:cNvPr id="2" name="Title 1">
+            <a:extLst>
+              <a:ext uri="{FF2B5EF4-FFF2-40B4-BE49-F238E27FC236}">
+                <a16:creationId xmlns:a16="http://schemas.microsoft.com/office/drawing/2014/main" id="{52D914EB-73F9-E6D7-B551-BF0DC2E94A0A}"/>
+              </a:ext>
+            </a:extLst>
+          </p:cNvPr>
+          <p:cNvSpPr>
+            <a:spLocks noGrp="1"/>
+          </p:cNvSpPr>
+          <p:nvPr>
+            <p:ph type="title"/>
+          </p:nvPr>
+        </p:nvSpPr>
+        <p:spPr/>
+        <p:txBody>
+          <a:bodyPr/>
+          <a:lstStyle/>
+          <a:p>
+            <a:r>
+              <a:rPr lang="en-CA" dirty="0"/>
+              <a:t>Project Scope &amp; Key Enhancements</a:t>
+            </a:r>
+            <a:endParaRPr lang="en-US" dirty="0"/>
+          </a:p>
+        </p:txBody>
+      </p:sp>
+      <p:sp>
+        <p:nvSpPr>
+          <p:cNvPr id="3" name="Content Placeholder 2">
+            <a:extLst>
+              <a:ext uri="{FF2B5EF4-FFF2-40B4-BE49-F238E27FC236}">
+                <a16:creationId xmlns:a16="http://schemas.microsoft.com/office/drawing/2014/main" id="{EC1F9494-535F-5C10-7881-0832B60083E3}"/>
+              </a:ext>
+            </a:extLst>
+          </p:cNvPr>
+          <p:cNvSpPr>
+            <a:spLocks noGrp="1"/>
+          </p:cNvSpPr>
+          <p:nvPr>
+            <p:ph idx="1"/>
+          </p:nvPr>
+        </p:nvSpPr>
+        <p:spPr>
+          <a:xfrm>
+            <a:off x="472374" y="1668668"/>
+            <a:ext cx="11348852" cy="5080744"/>
+          </a:xfrm>
+        </p:spPr>
+        <p:txBody>
+          <a:bodyPr/>
+          <a:lstStyle/>
+          <a:p>
+            <a:pPr>
+              <a:buNone/>
+            </a:pPr>
+            <a:r>
+              <a:rPr lang="en-CA" b="1" dirty="0"/>
+              <a:t>🔧 Fixes</a:t>
+            </a:r>
+          </a:p>
+          <a:p>
+            <a:pPr>
+              <a:buFont typeface="Arial" panose="020B0604020202020204" pitchFamily="34" charset="0"/>
+              <a:buChar char="•"/>
+            </a:pPr>
+            <a:r>
+              <a:rPr lang="en-CA" sz="1600" dirty="0"/>
+              <a:t>Resolved </a:t>
+            </a:r>
+            <a:r>
+              <a:rPr lang="en-CA" sz="1600" b="1" dirty="0"/>
+              <a:t>10 long-standing critical defects</a:t>
+            </a:r>
+            <a:r>
+              <a:rPr lang="en-CA" sz="1600" dirty="0"/>
+              <a:t> in collaboration with the REDI team</a:t>
+            </a:r>
+          </a:p>
+          <a:p>
+            <a:pPr>
+              <a:buFont typeface="Arial" panose="020B0604020202020204" pitchFamily="34" charset="0"/>
+              <a:buChar char="•"/>
+            </a:pPr>
+            <a:r>
+              <a:rPr lang="en-CA" sz="1600" dirty="0"/>
+              <a:t>Fixed </a:t>
+            </a:r>
+            <a:r>
+              <a:rPr lang="en-CA" sz="1600" b="1" dirty="0"/>
+              <a:t>CLR Procedure issue</a:t>
+            </a:r>
+            <a:r>
+              <a:rPr lang="en-CA" sz="1600" dirty="0"/>
+              <a:t> impacting job execution – resolved with Microsoft after a year-long delay</a:t>
+            </a:r>
+          </a:p>
+          <a:p>
+            <a:pPr marL="0" indent="0">
+              <a:buNone/>
+            </a:pPr>
+            <a:endParaRPr lang="en-CA" sz="1600" dirty="0"/>
+          </a:p>
+          <a:p>
+            <a:pPr>
+              <a:buNone/>
+            </a:pPr>
+            <a:r>
+              <a:rPr lang="en-CA" b="1" dirty="0"/>
+              <a:t>🔁 Re-Engineering</a:t>
+            </a:r>
+          </a:p>
+          <a:p>
+            <a:pPr>
+              <a:buFont typeface="Arial" panose="020B0604020202020204" pitchFamily="34" charset="0"/>
+              <a:buChar char="•"/>
+            </a:pPr>
+            <a:r>
+              <a:rPr lang="en-CA" sz="1600" dirty="0"/>
+              <a:t>Refactored and restored </a:t>
+            </a:r>
+            <a:r>
+              <a:rPr lang="en-CA" sz="1600" b="1" dirty="0"/>
+              <a:t>non-functional SQL Agent Jobs</a:t>
+            </a:r>
+            <a:r>
+              <a:rPr lang="en-CA" sz="1600" dirty="0"/>
+              <a:t> using standard best practices</a:t>
+            </a:r>
+          </a:p>
+          <a:p>
+            <a:pPr>
+              <a:buFont typeface="Arial" panose="020B0604020202020204" pitchFamily="34" charset="0"/>
+              <a:buChar char="•"/>
+            </a:pPr>
+            <a:r>
+              <a:rPr lang="en-CA" sz="1600" dirty="0"/>
+              <a:t>Significantly </a:t>
+            </a:r>
+            <a:r>
+              <a:rPr lang="en-CA" sz="1600" b="1" dirty="0"/>
+              <a:t>reduced job failure rates</a:t>
+            </a:r>
+            <a:r>
+              <a:rPr lang="en-CA" sz="1600" dirty="0"/>
+              <a:t>, improving reliability</a:t>
+            </a:r>
+          </a:p>
+          <a:p>
+            <a:pPr marL="0" indent="0">
+              <a:buNone/>
+            </a:pPr>
+            <a:endParaRPr lang="en-CA" sz="1600" dirty="0"/>
+          </a:p>
+          <a:p>
+            <a:pPr>
+              <a:buNone/>
+            </a:pPr>
+            <a:r>
+              <a:rPr lang="en-CA" b="1" dirty="0"/>
+              <a:t>🔗 Integrations</a:t>
+            </a:r>
+          </a:p>
+          <a:p>
+            <a:pPr>
+              <a:buFont typeface="Arial" panose="020B0604020202020204" pitchFamily="34" charset="0"/>
+              <a:buChar char="•"/>
+            </a:pPr>
+            <a:r>
+              <a:rPr lang="en-CA" sz="1600" dirty="0"/>
+              <a:t>Implemented key integrations to support:</a:t>
+            </a:r>
+          </a:p>
+          <a:p>
+            <a:pPr marL="742950" lvl="1" indent="-285750">
+              <a:buFont typeface="Arial" panose="020B0604020202020204" pitchFamily="34" charset="0"/>
+              <a:buChar char="•"/>
+            </a:pPr>
+            <a:r>
+              <a:rPr lang="en-CA" sz="1600" b="1" dirty="0"/>
+              <a:t>KLI</a:t>
+            </a:r>
+            <a:r>
+              <a:rPr lang="en-CA" sz="1600" dirty="0"/>
+              <a:t> – Demographic data updates</a:t>
+            </a:r>
+          </a:p>
+          <a:p>
+            <a:pPr marL="742950" lvl="1" indent="-285750">
+              <a:buFont typeface="Arial" panose="020B0604020202020204" pitchFamily="34" charset="0"/>
+              <a:buChar char="•"/>
+            </a:pPr>
+            <a:r>
+              <a:rPr lang="en-CA" sz="1600" b="1" dirty="0"/>
+              <a:t>Energy Utilities</a:t>
+            </a:r>
+            <a:r>
+              <a:rPr lang="en-CA" sz="1600" dirty="0"/>
+              <a:t> – Automated reporting</a:t>
+            </a:r>
+          </a:p>
+          <a:p>
+            <a:pPr marL="742950" lvl="1" indent="-285750">
+              <a:buFont typeface="Arial" panose="020B0604020202020204" pitchFamily="34" charset="0"/>
+              <a:buChar char="•"/>
+            </a:pPr>
+            <a:r>
+              <a:rPr lang="en-CA" sz="1600" b="1" dirty="0"/>
+              <a:t>IQVIA</a:t>
+            </a:r>
+            <a:r>
+              <a:rPr lang="en-CA" sz="1600" dirty="0"/>
+              <a:t> – Market research data updates and location alignment</a:t>
+            </a:r>
+          </a:p>
+          <a:p>
+            <a:pPr marL="457200" lvl="1" indent="0">
+              <a:buNone/>
+            </a:pPr>
+            <a:endParaRPr lang="en-CA" sz="1600" dirty="0"/>
+          </a:p>
+          <a:p>
+            <a:pPr>
+              <a:buNone/>
+            </a:pPr>
+            <a:r>
+              <a:rPr lang="en-CA" b="1" dirty="0"/>
+              <a:t>🔨 Infrastructure Evolution</a:t>
+            </a:r>
+          </a:p>
+          <a:p>
+            <a:pPr>
+              <a:buFont typeface="Arial" panose="020B0604020202020204" pitchFamily="34" charset="0"/>
+              <a:buChar char="•"/>
+            </a:pPr>
+            <a:r>
+              <a:rPr lang="en-CA" sz="1600" dirty="0"/>
+              <a:t>Enhanced the underlying architecture to support </a:t>
+            </a:r>
+            <a:r>
+              <a:rPr lang="en-CA" sz="1600" b="1" dirty="0"/>
+              <a:t>scalability and external connectivity</a:t>
+            </a:r>
+            <a:endParaRPr lang="en-CA" sz="1600" dirty="0"/>
+          </a:p>
+          <a:p>
+            <a:endParaRPr lang="en-US" dirty="0"/>
+          </a:p>
+        </p:txBody>
+      </p:sp>
+      <p:sp>
+        <p:nvSpPr>
+          <p:cNvPr id="4" name="Text Placeholder 3">
+            <a:extLst>
+              <a:ext uri="{FF2B5EF4-FFF2-40B4-BE49-F238E27FC236}">
+                <a16:creationId xmlns:a16="http://schemas.microsoft.com/office/drawing/2014/main" id="{1ABE85DB-8C00-6FE6-BB74-983BF7C919C2}"/>
+              </a:ext>
+            </a:extLst>
+          </p:cNvPr>
+          <p:cNvSpPr>
+            <a:spLocks noGrp="1"/>
+          </p:cNvSpPr>
+          <p:nvPr>
+            <p:ph type="body" sz="quarter" idx="14"/>
+          </p:nvPr>
+        </p:nvSpPr>
+        <p:spPr/>
+        <p:txBody>
+          <a:bodyPr/>
+          <a:lstStyle/>
+          <a:p>
+            <a:endParaRPr lang="en-US"/>
+          </a:p>
+        </p:txBody>
+      </p:sp>
+      <p:sp>
+        <p:nvSpPr>
+          <p:cNvPr id="5" name="TextBox 4">
+            <a:extLst>
+              <a:ext uri="{FF2B5EF4-FFF2-40B4-BE49-F238E27FC236}">
+                <a16:creationId xmlns:a16="http://schemas.microsoft.com/office/drawing/2014/main" id="{AD356195-A2A2-F801-CCDA-C762D57EA293}"/>
+              </a:ext>
+            </a:extLst>
+          </p:cNvPr>
+          <p:cNvSpPr txBox="1"/>
+          <p:nvPr/>
+        </p:nvSpPr>
+        <p:spPr>
+          <a:xfrm>
+            <a:off x="598116" y="827566"/>
+            <a:ext cx="10995767" cy="923330"/>
+          </a:xfrm>
+          <a:prstGeom prst="rect">
+            <a:avLst/>
+          </a:prstGeom>
+          <a:noFill/>
+        </p:spPr>
+        <p:txBody>
+          <a:bodyPr wrap="none" rtlCol="0">
+            <a:spAutoFit/>
+          </a:bodyPr>
+          <a:lstStyle/>
+          <a:p>
+            <a:pPr>
+              <a:buNone/>
+            </a:pPr>
+            <a:r>
+              <a:rPr lang="en-CA" b="1" dirty="0"/>
+              <a:t>Project F.I.R.E. – Scope Summary</a:t>
+            </a:r>
+          </a:p>
+          <a:p>
+            <a:r>
+              <a:rPr lang="en-CA" dirty="0"/>
+              <a:t>We delivered a comprehensive set of technical upgrades, focusing on stability, scalability, and integration readiness.</a:t>
+            </a:r>
+          </a:p>
+          <a:p>
+            <a:endParaRPr lang="en-US" dirty="0"/>
+          </a:p>
+        </p:txBody>
+      </p:sp>
+    </p:spTree>
+    <p:extLst>
+      <p:ext uri="{BB962C8B-B14F-4D97-AF65-F5344CB8AC3E}">
+        <p14:creationId xmlns:p14="http://schemas.microsoft.com/office/powerpoint/2010/main" val="3518355800"/>
+      </p:ext>
+    </p:extLst>
+  </p:cSld>
+  <p:clrMapOvr>
+    <a:masterClrMapping/>
+  </p:clrMapOvr>
+</p:sld>
+</file>
+
+<file path=ppt/slides/slide4.xml><?xml version="1.0" encoding="utf-8"?>
+<p:sld xmlns:a="http://schemas.openxmlformats.org/drawingml/2006/main" xmlns:r="http://schemas.openxmlformats.org/officeDocument/2006/relationships" xmlns:p="http://schemas.openxmlformats.org/presentationml/2006/main">
+  <p:cSld>
+    <p:spTree>
+      <p:nvGrpSpPr>
+        <p:cNvPr id="1" name=""/>
+        <p:cNvGrpSpPr/>
+        <p:nvPr/>
+      </p:nvGrpSpPr>
+      <p:grpSpPr>
+        <a:xfrm>
+          <a:off x="0" y="0"/>
+          <a:ext cx="0" cy="0"/>
+          <a:chOff x="0" y="0"/>
+          <a:chExt cx="0" cy="0"/>
+        </a:xfrm>
+      </p:grpSpPr>
+      <p:sp>
+        <p:nvSpPr>
+          <p:cNvPr id="2" name="Title 1">
+            <a:extLst>
+              <a:ext uri="{FF2B5EF4-FFF2-40B4-BE49-F238E27FC236}">
+                <a16:creationId xmlns:a16="http://schemas.microsoft.com/office/drawing/2014/main" id="{2ED7D3B4-74A7-DC93-C5B8-259227176C4D}"/>
+              </a:ext>
+            </a:extLst>
+          </p:cNvPr>
+          <p:cNvSpPr>
+            <a:spLocks noGrp="1"/>
+          </p:cNvSpPr>
+          <p:nvPr>
+            <p:ph type="title"/>
+          </p:nvPr>
+        </p:nvSpPr>
+        <p:spPr/>
+        <p:txBody>
+          <a:bodyPr/>
+          <a:lstStyle/>
+          <a:p>
+            <a:r>
+              <a:rPr lang="en-CA" dirty="0"/>
+              <a:t>Business Value Delivered</a:t>
+            </a:r>
+            <a:endParaRPr lang="en-US" dirty="0"/>
+          </a:p>
+        </p:txBody>
+      </p:sp>
+      <p:sp>
+        <p:nvSpPr>
+          <p:cNvPr id="4" name="Text Placeholder 3">
+            <a:extLst>
+              <a:ext uri="{FF2B5EF4-FFF2-40B4-BE49-F238E27FC236}">
+                <a16:creationId xmlns:a16="http://schemas.microsoft.com/office/drawing/2014/main" id="{3047AD21-11E9-F300-AAC2-4DCDC8EEB045}"/>
+              </a:ext>
+            </a:extLst>
+          </p:cNvPr>
+          <p:cNvSpPr>
+            <a:spLocks noGrp="1"/>
+          </p:cNvSpPr>
+          <p:nvPr>
+            <p:ph type="body" sz="quarter" idx="14"/>
+          </p:nvPr>
+        </p:nvSpPr>
+        <p:spPr/>
+        <p:txBody>
+          <a:bodyPr/>
+          <a:lstStyle/>
+          <a:p>
+            <a:endParaRPr lang="en-US"/>
+          </a:p>
+        </p:txBody>
+      </p:sp>
+      <p:sp>
+        <p:nvSpPr>
+          <p:cNvPr id="7" name="Content Placeholder 6">
+            <a:extLst>
+              <a:ext uri="{FF2B5EF4-FFF2-40B4-BE49-F238E27FC236}">
+                <a16:creationId xmlns:a16="http://schemas.microsoft.com/office/drawing/2014/main" id="{07DBFD13-8619-9243-2A53-8C35B6566851}"/>
+              </a:ext>
+            </a:extLst>
+          </p:cNvPr>
+          <p:cNvSpPr>
+            <a:spLocks noGrp="1"/>
+          </p:cNvSpPr>
+          <p:nvPr>
+            <p:ph idx="1"/>
+          </p:nvPr>
+        </p:nvSpPr>
+        <p:spPr>
+          <a:xfrm>
+            <a:off x="538347" y="924945"/>
+            <a:ext cx="11348852" cy="5408478"/>
+          </a:xfrm>
+        </p:spPr>
+        <p:txBody>
+          <a:bodyPr/>
+          <a:lstStyle/>
+          <a:p>
+            <a:pPr>
+              <a:buNone/>
+            </a:pPr>
+            <a:r>
+              <a:rPr lang="en-CA" b="1" dirty="0"/>
+              <a:t>🚀 Performance &amp; Automation</a:t>
+            </a:r>
+          </a:p>
+          <a:p>
+            <a:pPr>
+              <a:buFont typeface="Arial" panose="020B0604020202020204" pitchFamily="34" charset="0"/>
+              <a:buChar char="•"/>
+            </a:pPr>
+            <a:r>
+              <a:rPr lang="en-CA" sz="1600" dirty="0"/>
+              <a:t>Built </a:t>
+            </a:r>
+            <a:r>
+              <a:rPr lang="en-CA" sz="1600" b="1" dirty="0"/>
+              <a:t>faster, more reliable data pipelines</a:t>
+            </a:r>
+            <a:r>
+              <a:rPr lang="en-CA" sz="1600" dirty="0"/>
+              <a:t> to deliver timely, accurate business insights</a:t>
+            </a:r>
+          </a:p>
+          <a:p>
+            <a:pPr>
+              <a:buFont typeface="Arial" panose="020B0604020202020204" pitchFamily="34" charset="0"/>
+              <a:buChar char="•"/>
+            </a:pPr>
+            <a:r>
+              <a:rPr lang="en-CA" sz="1600" dirty="0"/>
+              <a:t>Reduced </a:t>
+            </a:r>
+            <a:r>
+              <a:rPr lang="en-CA" sz="1600" b="1" dirty="0"/>
+              <a:t>manual interventions</a:t>
+            </a:r>
+            <a:r>
+              <a:rPr lang="en-CA" sz="1600" dirty="0"/>
+              <a:t>, saving significant resource hours</a:t>
+            </a:r>
+          </a:p>
+          <a:p>
+            <a:pPr>
+              <a:buFont typeface="Arial" panose="020B0604020202020204" pitchFamily="34" charset="0"/>
+              <a:buChar char="•"/>
+            </a:pPr>
+            <a:endParaRPr lang="en-CA" sz="1600" dirty="0"/>
+          </a:p>
+          <a:p>
+            <a:pPr>
+              <a:buNone/>
+            </a:pPr>
+            <a:r>
+              <a:rPr lang="en-CA" b="1" dirty="0"/>
+              <a:t>📊 Accuracy &amp; Decision-Making</a:t>
+            </a:r>
+          </a:p>
+          <a:p>
+            <a:pPr>
+              <a:buFont typeface="Arial" panose="020B0604020202020204" pitchFamily="34" charset="0"/>
+              <a:buChar char="•"/>
+            </a:pPr>
+            <a:r>
+              <a:rPr lang="en-CA" sz="1600" dirty="0"/>
+              <a:t>Improved </a:t>
+            </a:r>
+            <a:r>
+              <a:rPr lang="en-CA" sz="1600" b="1" dirty="0"/>
+              <a:t>data accuracy and availability</a:t>
+            </a:r>
+            <a:r>
+              <a:rPr lang="en-CA" sz="1600" dirty="0"/>
+              <a:t>, enabling better reporting and strategic decisions</a:t>
+            </a:r>
+          </a:p>
+          <a:p>
+            <a:pPr>
+              <a:buFont typeface="Arial" panose="020B0604020202020204" pitchFamily="34" charset="0"/>
+              <a:buChar char="•"/>
+            </a:pPr>
+            <a:r>
+              <a:rPr lang="en-CA" sz="1600" dirty="0"/>
+              <a:t>Automated demographic updates, saving </a:t>
+            </a:r>
+            <a:r>
+              <a:rPr lang="en-CA" sz="1600" b="1" dirty="0"/>
+              <a:t>~50 hours/quarter</a:t>
+            </a:r>
+            <a:r>
+              <a:rPr lang="en-CA" sz="1600" dirty="0"/>
+              <a:t> for the REDI team</a:t>
+            </a:r>
+          </a:p>
+          <a:p>
+            <a:pPr>
+              <a:buFont typeface="Arial" panose="020B0604020202020204" pitchFamily="34" charset="0"/>
+              <a:buChar char="•"/>
+            </a:pPr>
+            <a:endParaRPr lang="en-CA" sz="1600" dirty="0"/>
+          </a:p>
+          <a:p>
+            <a:pPr>
+              <a:buNone/>
+            </a:pPr>
+            <a:r>
+              <a:rPr lang="en-CA" b="1" dirty="0"/>
+              <a:t>🔄 System Modernisation</a:t>
+            </a:r>
+          </a:p>
+          <a:p>
+            <a:pPr>
+              <a:buFont typeface="Arial" panose="020B0604020202020204" pitchFamily="34" charset="0"/>
+              <a:buChar char="•"/>
+            </a:pPr>
+            <a:r>
+              <a:rPr lang="en-CA" sz="1600" dirty="0"/>
+              <a:t>Replaced legacy MS Access and manual workflows with real-time data automation</a:t>
+            </a:r>
+          </a:p>
+          <a:p>
+            <a:pPr>
+              <a:buFont typeface="Arial" panose="020B0604020202020204" pitchFamily="34" charset="0"/>
+              <a:buChar char="•"/>
+            </a:pPr>
+            <a:r>
+              <a:rPr lang="en-CA" sz="1600" dirty="0"/>
+              <a:t>Enhanced </a:t>
+            </a:r>
+            <a:r>
+              <a:rPr lang="en-CA" sz="1600" b="1" dirty="0"/>
+              <a:t>report generation speed by 50%</a:t>
+            </a:r>
+            <a:r>
+              <a:rPr lang="en-CA" sz="1600" dirty="0"/>
+              <a:t> and reduced data entry errors</a:t>
+            </a:r>
+          </a:p>
+          <a:p>
+            <a:pPr>
+              <a:buFont typeface="Arial" panose="020B0604020202020204" pitchFamily="34" charset="0"/>
+              <a:buChar char="•"/>
+            </a:pPr>
+            <a:endParaRPr lang="en-CA" sz="1600" dirty="0"/>
+          </a:p>
+          <a:p>
+            <a:pPr>
+              <a:buNone/>
+            </a:pPr>
+            <a:r>
+              <a:rPr lang="en-CA" b="1" dirty="0"/>
+              <a:t>🌍 Future-Ready Foundation</a:t>
+            </a:r>
+          </a:p>
+          <a:p>
+            <a:pPr>
+              <a:buFont typeface="Arial" panose="020B0604020202020204" pitchFamily="34" charset="0"/>
+              <a:buChar char="•"/>
+            </a:pPr>
+            <a:r>
+              <a:rPr lang="en-CA" sz="1600" dirty="0"/>
+              <a:t>Designed a scalable, secure architecture to:</a:t>
+            </a:r>
+          </a:p>
+          <a:p>
+            <a:pPr marL="742950" lvl="1" indent="-285750">
+              <a:buFont typeface="Arial" panose="020B0604020202020204" pitchFamily="34" charset="0"/>
+              <a:buChar char="•"/>
+            </a:pPr>
+            <a:r>
+              <a:rPr lang="en-CA" sz="1600" dirty="0"/>
+              <a:t>Enable bulk data loading from partners (e.g., IQVIA: </a:t>
+            </a:r>
+            <a:r>
+              <a:rPr lang="en-CA" sz="1600" b="1" dirty="0"/>
+              <a:t>~15 hours/week saved</a:t>
+            </a:r>
+            <a:r>
+              <a:rPr lang="en-CA" sz="1600" dirty="0"/>
+              <a:t>)</a:t>
+            </a:r>
+          </a:p>
+          <a:p>
+            <a:pPr marL="742950" lvl="1" indent="-285750">
+              <a:buFont typeface="Arial" panose="020B0604020202020204" pitchFamily="34" charset="0"/>
+              <a:buChar char="•"/>
+            </a:pPr>
+            <a:r>
+              <a:rPr lang="en-CA" sz="1600" dirty="0"/>
+              <a:t>Expose </a:t>
+            </a:r>
+            <a:r>
+              <a:rPr lang="en-CA" sz="1600" b="1" dirty="0"/>
+              <a:t>location data APIs</a:t>
+            </a:r>
+            <a:r>
+              <a:rPr lang="en-CA" sz="1600" dirty="0"/>
+              <a:t> for internal and future external use</a:t>
+            </a:r>
+          </a:p>
+          <a:p>
+            <a:pPr marL="742950" lvl="1" indent="-285750">
+              <a:buFont typeface="Arial" panose="020B0604020202020204" pitchFamily="34" charset="0"/>
+              <a:buChar char="•"/>
+            </a:pPr>
+            <a:r>
+              <a:rPr lang="en-CA" sz="1600" dirty="0"/>
+              <a:t>Support ongoing enhancements and integrations</a:t>
+            </a:r>
+          </a:p>
+          <a:p>
+            <a:endParaRPr lang="en-US" dirty="0"/>
+          </a:p>
+        </p:txBody>
+      </p:sp>
+    </p:spTree>
+    <p:extLst>
+      <p:ext uri="{BB962C8B-B14F-4D97-AF65-F5344CB8AC3E}">
+        <p14:creationId xmlns:p14="http://schemas.microsoft.com/office/powerpoint/2010/main" val="3582845342"/>
+      </p:ext>
+    </p:extLst>
+  </p:cSld>
+  <p:clrMapOvr>
+    <a:masterClrMapping/>
+  </p:clrMapOvr>
+</p:sld>
+</file>
+
+<file path=ppt/slides/slide5.xml><?xml version="1.0" encoding="utf-8"?>
+<p:sld xmlns:a="http://schemas.openxmlformats.org/drawingml/2006/main" xmlns:r="http://schemas.openxmlformats.org/officeDocument/2006/relationships" xmlns:p="http://schemas.openxmlformats.org/presentationml/2006/main">
+  <p:cSld>
+    <p:spTree>
+      <p:nvGrpSpPr>
+        <p:cNvPr id="1" name=""/>
+        <p:cNvGrpSpPr/>
+        <p:nvPr/>
+      </p:nvGrpSpPr>
+      <p:grpSpPr>
+        <a:xfrm>
+          <a:off x="0" y="0"/>
+          <a:ext cx="0" cy="0"/>
+          <a:chOff x="0" y="0"/>
+          <a:chExt cx="0" cy="0"/>
+        </a:xfrm>
+      </p:grpSpPr>
+      <p:sp>
+        <p:nvSpPr>
+          <p:cNvPr id="2" name="Title 1">
+            <a:extLst>
+              <a:ext uri="{FF2B5EF4-FFF2-40B4-BE49-F238E27FC236}">
+                <a16:creationId xmlns:a16="http://schemas.microsoft.com/office/drawing/2014/main" id="{94C7B08E-D65B-1496-B819-6F085D14BA64}"/>
+              </a:ext>
+            </a:extLst>
+          </p:cNvPr>
+          <p:cNvSpPr>
+            <a:spLocks noGrp="1"/>
+          </p:cNvSpPr>
+          <p:nvPr>
+            <p:ph type="title"/>
+          </p:nvPr>
+        </p:nvSpPr>
+        <p:spPr/>
+        <p:txBody>
+          <a:bodyPr/>
+          <a:lstStyle/>
+          <a:p>
+            <a:r>
+              <a:rPr lang="en-US" dirty="0"/>
+              <a:t>Next Steps / Recommendations</a:t>
+            </a:r>
+          </a:p>
+        </p:txBody>
+      </p:sp>
+      <p:sp>
+        <p:nvSpPr>
+          <p:cNvPr id="3" name="Content Placeholder 2">
+            <a:extLst>
+              <a:ext uri="{FF2B5EF4-FFF2-40B4-BE49-F238E27FC236}">
+                <a16:creationId xmlns:a16="http://schemas.microsoft.com/office/drawing/2014/main" id="{F1981D7B-5360-16B5-3278-60C8CDFE0089}"/>
+              </a:ext>
+            </a:extLst>
+          </p:cNvPr>
+          <p:cNvSpPr>
+            <a:spLocks noGrp="1"/>
+          </p:cNvSpPr>
+          <p:nvPr>
+            <p:ph idx="1"/>
+          </p:nvPr>
+        </p:nvSpPr>
+        <p:spPr>
+          <a:xfrm>
+            <a:off x="264897" y="956658"/>
+            <a:ext cx="11348852" cy="5020630"/>
+          </a:xfrm>
+        </p:spPr>
+        <p:txBody>
+          <a:bodyPr/>
+          <a:lstStyle/>
+          <a:p>
+            <a:pPr>
+              <a:buNone/>
+            </a:pPr>
+            <a:r>
+              <a:rPr lang="en-CA" b="1" dirty="0"/>
+              <a:t>🔍 1. Monitor &amp; Stabilize</a:t>
+            </a:r>
+          </a:p>
+          <a:p>
+            <a:pPr>
+              <a:buFont typeface="Arial" panose="020B0604020202020204" pitchFamily="34" charset="0"/>
+              <a:buChar char="•"/>
+            </a:pPr>
+            <a:r>
+              <a:rPr lang="en-CA" sz="1600" dirty="0"/>
+              <a:t>Regularly track the </a:t>
+            </a:r>
+            <a:r>
+              <a:rPr lang="en-CA" sz="1600" b="1" dirty="0"/>
+              <a:t>performance and reliability</a:t>
+            </a:r>
+            <a:r>
+              <a:rPr lang="en-CA" sz="1600" dirty="0"/>
+              <a:t> of new integrations and automations</a:t>
+            </a:r>
+          </a:p>
+          <a:p>
+            <a:pPr>
+              <a:buFont typeface="Arial" panose="020B0604020202020204" pitchFamily="34" charset="0"/>
+              <a:buChar char="•"/>
+            </a:pPr>
+            <a:r>
+              <a:rPr lang="en-CA" sz="1600" dirty="0"/>
+              <a:t>Implement </a:t>
+            </a:r>
+            <a:r>
+              <a:rPr lang="en-CA" sz="1600" b="1" dirty="0"/>
+              <a:t>automated alerting and logging</a:t>
+            </a:r>
+            <a:r>
+              <a:rPr lang="en-CA" sz="1600" dirty="0"/>
+              <a:t> to proactively detect issues</a:t>
+            </a:r>
+          </a:p>
+          <a:p>
+            <a:pPr>
+              <a:buFont typeface="Arial" panose="020B0604020202020204" pitchFamily="34" charset="0"/>
+              <a:buChar char="•"/>
+            </a:pPr>
+            <a:endParaRPr lang="en-CA" sz="1600" dirty="0"/>
+          </a:p>
+          <a:p>
+            <a:pPr>
+              <a:buNone/>
+            </a:pPr>
+            <a:r>
+              <a:rPr lang="en-CA" b="1" dirty="0"/>
+              <a:t>🌐 2. Expand External Connectivity</a:t>
+            </a:r>
+          </a:p>
+          <a:p>
+            <a:pPr>
+              <a:buFont typeface="Arial" panose="020B0604020202020204" pitchFamily="34" charset="0"/>
+              <a:buChar char="•"/>
+            </a:pPr>
+            <a:r>
+              <a:rPr lang="en-CA" sz="1600" dirty="0"/>
+              <a:t>Explore secure, governed exposure of the Location Alignment API to external partners</a:t>
+            </a:r>
+          </a:p>
+          <a:p>
+            <a:pPr>
+              <a:buFont typeface="Arial" panose="020B0604020202020204" pitchFamily="34" charset="0"/>
+              <a:buChar char="•"/>
+            </a:pPr>
+            <a:r>
+              <a:rPr lang="en-CA" sz="1600" dirty="0"/>
+              <a:t>Assess feasibility and security implications for strategic data sharing</a:t>
+            </a:r>
+          </a:p>
+          <a:p>
+            <a:pPr>
+              <a:buFont typeface="Arial" panose="020B0604020202020204" pitchFamily="34" charset="0"/>
+              <a:buChar char="•"/>
+            </a:pPr>
+            <a:endParaRPr lang="en-CA" sz="1600" dirty="0"/>
+          </a:p>
+          <a:p>
+            <a:pPr>
+              <a:buNone/>
+            </a:pPr>
+            <a:r>
+              <a:rPr lang="en-CA" b="1" dirty="0"/>
+              <a:t>🔄 3. Optimize &amp; Evolve</a:t>
+            </a:r>
+          </a:p>
+          <a:p>
+            <a:pPr>
+              <a:buFont typeface="Arial" panose="020B0604020202020204" pitchFamily="34" charset="0"/>
+              <a:buChar char="•"/>
+            </a:pPr>
+            <a:r>
+              <a:rPr lang="en-CA" sz="1600" dirty="0"/>
+              <a:t>Identify </a:t>
+            </a:r>
+            <a:r>
+              <a:rPr lang="en-CA" sz="1600" b="1" dirty="0"/>
+              <a:t>performance bottlenecks</a:t>
+            </a:r>
+            <a:r>
+              <a:rPr lang="en-CA" sz="1600" dirty="0"/>
+              <a:t> and opportunities for optimisation</a:t>
+            </a:r>
+          </a:p>
+          <a:p>
+            <a:pPr>
+              <a:buFont typeface="Arial" panose="020B0604020202020204" pitchFamily="34" charset="0"/>
+              <a:buChar char="•"/>
+            </a:pPr>
+            <a:r>
+              <a:rPr lang="en-CA" sz="1600" dirty="0"/>
+              <a:t>Continuously enhance data pipelines and automate additional manual workflows</a:t>
+            </a:r>
+          </a:p>
+          <a:p>
+            <a:pPr>
+              <a:buFont typeface="Arial" panose="020B0604020202020204" pitchFamily="34" charset="0"/>
+              <a:buChar char="•"/>
+            </a:pPr>
+            <a:endParaRPr lang="en-CA" sz="1600" dirty="0"/>
+          </a:p>
+          <a:p>
+            <a:pPr>
+              <a:buNone/>
+            </a:pPr>
+            <a:r>
+              <a:rPr lang="en-CA" b="1" dirty="0"/>
+              <a:t>🛡️ 4. Strengthen Governance</a:t>
+            </a:r>
+          </a:p>
+          <a:p>
+            <a:pPr>
+              <a:buFont typeface="Arial" panose="020B0604020202020204" pitchFamily="34" charset="0"/>
+              <a:buChar char="•"/>
+            </a:pPr>
+            <a:r>
+              <a:rPr lang="en-CA" sz="1600" dirty="0"/>
+              <a:t>Define and enforce </a:t>
+            </a:r>
+            <a:r>
+              <a:rPr lang="en-CA" sz="1600" b="1" dirty="0"/>
+              <a:t>governance processes</a:t>
+            </a:r>
+            <a:r>
+              <a:rPr lang="en-CA" sz="1600" dirty="0"/>
+              <a:t> for all automated workflows</a:t>
+            </a:r>
+          </a:p>
+          <a:p>
+            <a:pPr>
+              <a:buFont typeface="Arial" panose="020B0604020202020204" pitchFamily="34" charset="0"/>
+              <a:buChar char="•"/>
+            </a:pPr>
+            <a:r>
+              <a:rPr lang="en-CA" sz="1600" dirty="0"/>
+              <a:t>Establish clear </a:t>
+            </a:r>
+            <a:r>
+              <a:rPr lang="en-CA" sz="1600" b="1" dirty="0"/>
+              <a:t>ownership, documentation standards</a:t>
+            </a:r>
+            <a:r>
+              <a:rPr lang="en-CA" sz="1600" dirty="0"/>
+              <a:t>, and </a:t>
+            </a:r>
+            <a:r>
+              <a:rPr lang="en-CA" sz="1600" b="1" dirty="0"/>
+              <a:t>change control procedures</a:t>
+            </a:r>
+          </a:p>
+          <a:p>
+            <a:pPr>
+              <a:buFont typeface="Arial" panose="020B0604020202020204" pitchFamily="34" charset="0"/>
+              <a:buChar char="•"/>
+            </a:pPr>
+            <a:endParaRPr lang="en-CA" sz="1600" dirty="0"/>
+          </a:p>
+          <a:p>
+            <a:pPr>
+              <a:buNone/>
+            </a:pPr>
+            <a:r>
+              <a:rPr lang="en-CA" b="1" dirty="0"/>
+              <a:t>🚀 5. Plan for Future Growth</a:t>
+            </a:r>
+          </a:p>
+          <a:p>
+            <a:pPr>
+              <a:buFont typeface="Arial" panose="020B0604020202020204" pitchFamily="34" charset="0"/>
+              <a:buChar char="•"/>
+            </a:pPr>
+            <a:r>
+              <a:rPr lang="en-CA" sz="1600" dirty="0"/>
+              <a:t>Design a roadmap for </a:t>
+            </a:r>
+            <a:r>
+              <a:rPr lang="en-CA" sz="1600" b="1" dirty="0"/>
+              <a:t>next-phase integrations</a:t>
+            </a:r>
+            <a:r>
+              <a:rPr lang="en-CA" sz="1600" dirty="0"/>
+              <a:t> (e.g., new partners, data domains)</a:t>
+            </a:r>
+          </a:p>
+          <a:p>
+            <a:pPr>
+              <a:buFont typeface="Arial" panose="020B0604020202020204" pitchFamily="34" charset="0"/>
+              <a:buChar char="•"/>
+            </a:pPr>
+            <a:r>
+              <a:rPr lang="en-CA" sz="1600" dirty="0"/>
+              <a:t>Leverage reusable components to reduce development effort in future initiatives</a:t>
+            </a:r>
+          </a:p>
+        </p:txBody>
+      </p:sp>
+      <p:sp>
+        <p:nvSpPr>
+          <p:cNvPr id="4" name="Text Placeholder 3">
+            <a:extLst>
+              <a:ext uri="{FF2B5EF4-FFF2-40B4-BE49-F238E27FC236}">
+                <a16:creationId xmlns:a16="http://schemas.microsoft.com/office/drawing/2014/main" id="{324FDEF2-A290-85E4-F552-E2D6B1B00E28}"/>
+              </a:ext>
+            </a:extLst>
+          </p:cNvPr>
+          <p:cNvSpPr>
+            <a:spLocks noGrp="1"/>
+          </p:cNvSpPr>
+          <p:nvPr>
+            <p:ph type="body" sz="quarter" idx="14"/>
+          </p:nvPr>
+        </p:nvSpPr>
+        <p:spPr/>
+        <p:txBody>
+          <a:bodyPr/>
+          <a:lstStyle/>
+          <a:p>
+            <a:endParaRPr lang="en-US"/>
+          </a:p>
+        </p:txBody>
+      </p:sp>
+    </p:spTree>
+    <p:extLst>
+      <p:ext uri="{BB962C8B-B14F-4D97-AF65-F5344CB8AC3E}">
+        <p14:creationId xmlns:p14="http://schemas.microsoft.com/office/powerpoint/2010/main" val="3161273850"/>
+      </p:ext>
+    </p:extLst>
+  </p:cSld>
+  <p:clrMapOvr>
+    <a:masterClrMapping/>
+  </p:clrMapOvr>
+</p:sld>
+</file>
+
+<file path=ppt/slides/slide6.xml><?xml version="1.0" encoding="utf-8"?>
+<p:sld xmlns:a="http://schemas.openxmlformats.org/drawingml/2006/main" xmlns:r="http://schemas.openxmlformats.org/officeDocument/2006/relationships" xmlns:p="http://schemas.openxmlformats.org/presentationml/2006/main">
+  <p:cSld>
+    <p:spTree>
+      <p:nvGrpSpPr>
+        <p:cNvPr id="1" name=""/>
+        <p:cNvGrpSpPr/>
+        <p:nvPr/>
+      </p:nvGrpSpPr>
+      <p:grpSpPr>
+        <a:xfrm>
+          <a:off x="0" y="0"/>
+          <a:ext cx="0" cy="0"/>
+          <a:chOff x="0" y="0"/>
+          <a:chExt cx="0" cy="0"/>
+        </a:xfrm>
+      </p:grpSpPr>
+      <p:sp>
+        <p:nvSpPr>
+          <p:cNvPr id="2" name="Title 1">
+            <a:extLst>
+              <a:ext uri="{FF2B5EF4-FFF2-40B4-BE49-F238E27FC236}">
+                <a16:creationId xmlns:a16="http://schemas.microsoft.com/office/drawing/2014/main" id="{B7E8FAE3-4A7F-4778-FA8D-039B557D5C63}"/>
+              </a:ext>
+            </a:extLst>
+          </p:cNvPr>
+          <p:cNvSpPr>
+            <a:spLocks noGrp="1"/>
+          </p:cNvSpPr>
+          <p:nvPr>
+            <p:ph type="title"/>
+          </p:nvPr>
+        </p:nvSpPr>
+        <p:spPr>
+          <a:xfrm>
+            <a:off x="868421" y="3175416"/>
+            <a:ext cx="8326379" cy="642647"/>
+          </a:xfrm>
+        </p:spPr>
+        <p:txBody>
+          <a:bodyPr>
+            <a:normAutofit fontScale="90000"/>
+          </a:bodyPr>
+          <a:lstStyle/>
+          <a:p>
+            <a:r>
+              <a:rPr lang="en-US" sz="4000" dirty="0"/>
+              <a:t>Thank You</a:t>
+            </a:r>
+          </a:p>
+        </p:txBody>
+      </p:sp>
+      <p:sp>
+        <p:nvSpPr>
+          <p:cNvPr id="3" name="Text Placeholder 2">
+            <a:extLst>
+              <a:ext uri="{FF2B5EF4-FFF2-40B4-BE49-F238E27FC236}">
+                <a16:creationId xmlns:a16="http://schemas.microsoft.com/office/drawing/2014/main" id="{70C2A0D1-D6D4-8C88-CF9C-8BEDA93A2FCE}"/>
+              </a:ext>
+            </a:extLst>
+          </p:cNvPr>
+          <p:cNvSpPr>
+            <a:spLocks noGrp="1"/>
+          </p:cNvSpPr>
+          <p:nvPr>
+            <p:ph type="body" sz="quarter" idx="14"/>
+          </p:nvPr>
+        </p:nvSpPr>
+        <p:spPr/>
+        <p:txBody>
+          <a:bodyPr/>
+          <a:lstStyle/>
+          <a:p>
+            <a:endParaRPr lang="en-US"/>
+          </a:p>
+        </p:txBody>
+      </p:sp>
+      <p:pic>
+        <p:nvPicPr>
+          <p:cNvPr id="4" name="Picture 7">
+            <a:extLst>
+              <a:ext uri="{FF2B5EF4-FFF2-40B4-BE49-F238E27FC236}">
+                <a16:creationId xmlns:a16="http://schemas.microsoft.com/office/drawing/2014/main" id="{7746F264-BCED-D50A-8DAD-2F2EBA7AD8F1}"/>
+              </a:ext>
+            </a:extLst>
+          </p:cNvPr>
+          <p:cNvPicPr>
+            <a:picLocks noChangeAspect="1" noChangeArrowheads="1"/>
+          </p:cNvPicPr>
+          <p:nvPr/>
+        </p:nvPicPr>
+        <p:blipFill>
+          <a:blip r:embed="rId2" cstate="print">
+            <a:extLst>
+              <a:ext uri="{28A0092B-C50C-407E-A947-70E740481C1C}">
+                <a14:useLocalDpi xmlns:a14="http://schemas.microsoft.com/office/drawing/2010/main" val="0"/>
+              </a:ext>
+            </a:extLst>
+          </a:blip>
+          <a:srcRect/>
+          <a:stretch>
+            <a:fillRect/>
+          </a:stretch>
+        </p:blipFill>
+        <p:spPr bwMode="auto">
+          <a:xfrm>
+            <a:off x="320633" y="6398828"/>
+            <a:ext cx="1188883" cy="274601"/>
+          </a:xfrm>
+          <a:prstGeom prst="rect">
+            <a:avLst/>
+          </a:prstGeom>
+          <a:noFill/>
+          <a:ln>
+            <a:noFill/>
+          </a:ln>
+          <a:effectLst/>
+          <a:extLst>
+            <a:ext uri="{909E8E84-426E-40DD-AFC4-6F175D3DCCD1}">
+              <a14:hiddenFill xmlns:a14="http://schemas.microsoft.com/office/drawing/2010/main">
+                <a:blipFill dpi="0" rotWithShape="0">
+                  <a:blip/>
+                  <a:srcRect/>
+                  <a:stretch>
+                    <a:fillRect/>
+                  </a:stretch>
+                </a:blipFill>
+              </a14:hiddenFill>
+            </a:ext>
+            <a:ext uri="{91240B29-F687-4F45-9708-019B960494DF}">
+              <a14:hiddenLine xmlns:a14="http://schemas.microsoft.com/office/drawing/2010/main" w="9525">
+                <a:solidFill>
+                  <a:srgbClr val="808080"/>
+                </a:solidFill>
+                <a:round/>
+                <a:headEnd/>
+                <a:tailEnd/>
+              </a14:hiddenLine>
+            </a:ext>
+            <a:ext uri="{AF507438-7753-43E0-B8FC-AC1667EBCBE1}">
+              <a14:hiddenEffects xmlns:a14="http://schemas.microsoft.com/office/drawing/2010/main">
+                <a:effectLst>
+                  <a:outerShdw dist="35921" dir="2700000" algn="ctr" rotWithShape="0">
+                    <a:srgbClr val="808080"/>
+                  </a:outerShdw>
+                </a:effectLst>
+              </a14:hiddenEffects>
+            </a:ext>
+          </a:extLst>
+        </p:spPr>
+      </p:pic>
+    </p:spTree>
+    <p:extLst>
+      <p:ext uri="{BB962C8B-B14F-4D97-AF65-F5344CB8AC3E}">
+        <p14:creationId xmlns:p14="http://schemas.microsoft.com/office/powerpoint/2010/main" val="816734505"/>
+      </p:ext>
+    </p:extLst>
+  </p:cSld>
+  <p:clrMapOvr>
+    <a:masterClrMapping/>
+  </p:clrMapOvr>
+</p:sld>
+</file>
+
+<file path=ppt/slides/slide7.xml><?xml version="1.0" encoding="utf-8"?>
+<p:sld xmlns:a="http://schemas.openxmlformats.org/drawingml/2006/main" xmlns:r="http://schemas.openxmlformats.org/officeDocument/2006/relationships" xmlns:p="http://schemas.openxmlformats.org/presentationml/2006/main">
+  <p:cSld>
+    <p:spTree>
+      <p:nvGrpSpPr>
+        <p:cNvPr id="1" name=""/>
+        <p:cNvGrpSpPr/>
+        <p:nvPr/>
+      </p:nvGrpSpPr>
+      <p:grpSpPr>
+        <a:xfrm>
+          <a:off x="0" y="0"/>
+          <a:ext cx="0" cy="0"/>
+          <a:chOff x="0" y="0"/>
+          <a:chExt cx="0" cy="0"/>
+        </a:xfrm>
+      </p:grpSpPr>
+      <p:sp>
+        <p:nvSpPr>
+          <p:cNvPr id="2" name="Title 1">
+            <a:extLst>
+              <a:ext uri="{FF2B5EF4-FFF2-40B4-BE49-F238E27FC236}">
+                <a16:creationId xmlns:a16="http://schemas.microsoft.com/office/drawing/2014/main" id="{137DD384-6978-DFC7-68A8-16941EC86FE0}"/>
+              </a:ext>
+            </a:extLst>
+          </p:cNvPr>
+          <p:cNvSpPr>
+            <a:spLocks noGrp="1"/>
+          </p:cNvSpPr>
+          <p:nvPr>
+            <p:ph type="title"/>
+          </p:nvPr>
+        </p:nvSpPr>
+        <p:spPr>
+          <a:xfrm>
+            <a:off x="2205223" y="2984916"/>
+            <a:ext cx="8326379" cy="642647"/>
+          </a:xfrm>
+        </p:spPr>
+        <p:txBody>
+          <a:bodyPr/>
+          <a:lstStyle/>
+          <a:p>
+            <a:r>
+              <a:rPr lang="en-US" dirty="0"/>
+              <a:t>APPENDIX</a:t>
+            </a:r>
+          </a:p>
+        </p:txBody>
+      </p:sp>
+      <p:sp>
+        <p:nvSpPr>
+          <p:cNvPr id="3" name="Text Placeholder 2">
+            <a:extLst>
+              <a:ext uri="{FF2B5EF4-FFF2-40B4-BE49-F238E27FC236}">
+                <a16:creationId xmlns:a16="http://schemas.microsoft.com/office/drawing/2014/main" id="{3293DCD8-7731-8B0D-6D23-587CC837E7C8}"/>
+              </a:ext>
+            </a:extLst>
+          </p:cNvPr>
+          <p:cNvSpPr>
+            <a:spLocks noGrp="1"/>
+          </p:cNvSpPr>
+          <p:nvPr>
+            <p:ph type="body" sz="quarter" idx="14"/>
+          </p:nvPr>
+        </p:nvSpPr>
+        <p:spPr/>
+        <p:txBody>
+          <a:bodyPr/>
+          <a:lstStyle/>
+          <a:p>
+            <a:endParaRPr lang="en-US"/>
+          </a:p>
+        </p:txBody>
+      </p:sp>
+    </p:spTree>
+    <p:extLst>
+      <p:ext uri="{BB962C8B-B14F-4D97-AF65-F5344CB8AC3E}">
+        <p14:creationId xmlns:p14="http://schemas.microsoft.com/office/powerpoint/2010/main" val="3569223707"/>
+      </p:ext>
+    </p:extLst>
+  </p:cSld>
+  <p:clrMapOvr>
+    <a:masterClrMapping/>
+  </p:clrMapOvr>
+</p:sld>
+</file>
+
+<file path=ppt/slides/slide8.xml><?xml version="1.0" encoding="utf-8"?>
 <p:sld xmlns:a="http://schemas.openxmlformats.org/drawingml/2006/main" xmlns:r="http://schemas.openxmlformats.org/officeDocument/2006/relationships" xmlns:p="http://schemas.openxmlformats.org/presentationml/2006/main">
   <p:cSld>
     <p:spTree>
@@ -9092,7 +10011,7 @@
         <p:spPr>
           <a:xfrm>
             <a:off x="590687" y="2351782"/>
-            <a:ext cx="9738416" cy="3108543"/>
+            <a:ext cx="9738416" cy="3847207"/>
           </a:xfrm>
           <a:prstGeom prst="rect">
             <a:avLst/>
@@ -9119,12 +10038,22 @@
             </a:r>
           </a:p>
           <a:p>
+            <a:endParaRPr lang="en-US" sz="1600" b="1" dirty="0">
+              <a:solidFill>
+                <a:schemeClr val="accent1"/>
+              </a:solidFill>
+            </a:endParaRPr>
+          </a:p>
+          <a:p>
             <a:pPr marL="800100" lvl="1" indent="-342900">
               <a:buFont typeface="Arial" panose="020B0604020202020204" pitchFamily="34" charset="0"/>
               <a:buChar char="•"/>
             </a:pPr>
             <a:r>
-              <a:rPr lang="en-US" sz="1200" dirty="0"/>
+              <a:rPr lang="en-US" sz="1000" dirty="0">
+                <a:latin typeface="Arial" panose="020B0604020202020204" pitchFamily="34" charset="0"/>
+                <a:cs typeface="Arial" panose="020B0604020202020204" pitchFamily="34" charset="0"/>
+              </a:rPr>
               <a:t>Automated quarterly demographic updates, ensuring REDI  team have the most current data for better decision-making.</a:t>
             </a:r>
           </a:p>
@@ -9134,7 +10063,10 @@
               <a:buChar char="•"/>
             </a:pPr>
             <a:r>
-              <a:rPr lang="en-US" sz="1200" dirty="0"/>
+              <a:rPr lang="en-US" sz="1000" dirty="0">
+                <a:latin typeface="Arial" panose="020B0604020202020204" pitchFamily="34" charset="0"/>
+                <a:cs typeface="Arial" panose="020B0604020202020204" pitchFamily="34" charset="0"/>
+              </a:rPr>
               <a:t>Reduced manual effort by an estimated 50 hours per quarter.</a:t>
             </a:r>
           </a:p>
@@ -9160,12 +10092,22 @@
             </a:r>
           </a:p>
           <a:p>
+            <a:endParaRPr lang="en-US" sz="1600" b="1" dirty="0">
+              <a:solidFill>
+                <a:schemeClr val="accent1"/>
+              </a:solidFill>
+            </a:endParaRPr>
+          </a:p>
+          <a:p>
             <a:pPr marL="800100" lvl="1" indent="-342900">
               <a:buFont typeface="Arial" panose="020B0604020202020204" pitchFamily="34" charset="0"/>
               <a:buChar char="•"/>
             </a:pPr>
             <a:r>
-              <a:rPr lang="en-US" sz="1200" dirty="0"/>
+              <a:rPr lang="en-US" sz="1000" dirty="0">
+                <a:latin typeface="Arial" panose="020B0604020202020204" pitchFamily="34" charset="0"/>
+                <a:cs typeface="Arial" panose="020B0604020202020204" pitchFamily="34" charset="0"/>
+              </a:rPr>
               <a:t>Legacy MS Access DB and manual file-based processes were replaced with automated real-time data pipelines for reporting.</a:t>
             </a:r>
           </a:p>
@@ -9175,7 +10117,10 @@
               <a:buChar char="•"/>
             </a:pPr>
             <a:r>
-              <a:rPr lang="en-US" sz="1200" dirty="0"/>
+              <a:rPr lang="en-US" sz="1000" dirty="0">
+                <a:latin typeface="Arial" panose="020B0604020202020204" pitchFamily="34" charset="0"/>
+                <a:cs typeface="Arial" panose="020B0604020202020204" pitchFamily="34" charset="0"/>
+              </a:rPr>
               <a:t>Improved report generation time by 50% and eliminated potential data entry errors.</a:t>
             </a:r>
           </a:p>
@@ -9200,13 +10145,20 @@
             </a:r>
           </a:p>
           <a:p>
+            <a:endParaRPr lang="en-US" sz="1600" b="1" dirty="0">
+              <a:solidFill>
+                <a:schemeClr val="accent1"/>
+              </a:solidFill>
+            </a:endParaRPr>
+          </a:p>
+          <a:p>
             <a:pPr marL="800100" lvl="1" indent="-342900">
               <a:buFont typeface="Arial" panose="020B0604020202020204" pitchFamily="34" charset="0"/>
               <a:buChar char="•"/>
             </a:pPr>
             <a:r>
-              <a:rPr lang="en-US" sz="1200" dirty="0"/>
-              <a:t>Enabled bulk loading of medical practice, clinics, and hospitals data from flat files, significantly reducing manual intervention.</a:t>
+              <a:rPr lang="en-US" sz="1000" dirty="0"/>
+              <a:t>Enabled bulk loading of medical practice, clinics, and hospitals' data from flat files, significantly reducing manual intervention.</a:t>
             </a:r>
           </a:p>
           <a:p>
@@ -9215,7 +10167,7 @@
               <a:buChar char="•"/>
             </a:pPr>
             <a:r>
-              <a:rPr lang="en-US" sz="1200" dirty="0"/>
+              <a:rPr lang="en-US" sz="1000" dirty="0"/>
               <a:t>Estimated to save approximately 15 hours per week in data loading efforts.</a:t>
             </a:r>
           </a:p>
@@ -9240,12 +10192,19 @@
             </a:r>
           </a:p>
           <a:p>
+            <a:endParaRPr lang="en-US" sz="1600" b="1" dirty="0">
+              <a:solidFill>
+                <a:schemeClr val="accent1"/>
+              </a:solidFill>
+            </a:endParaRPr>
+          </a:p>
+          <a:p>
             <a:pPr marL="800100" lvl="1" indent="-342900">
               <a:buFont typeface="Arial" panose="020B0604020202020204" pitchFamily="34" charset="0"/>
               <a:buChar char="•"/>
             </a:pPr>
             <a:r>
-              <a:rPr lang="en-US" sz="1200" dirty="0"/>
+              <a:rPr lang="en-US" sz="1000" dirty="0"/>
               <a:t>Consumes master location data, providing a single source of truth for internal systems.</a:t>
             </a:r>
           </a:p>
@@ -9255,7 +10214,7 @@
               <a:buChar char="•"/>
             </a:pPr>
             <a:r>
-              <a:rPr lang="en-US" sz="1200" dirty="0"/>
+              <a:rPr lang="en-US" sz="1000" dirty="0"/>
               <a:t>Scalable architecture designed to securely expose data to external partner networks in the future.</a:t>
             </a:r>
           </a:p>
@@ -9390,544 +10349,7 @@
 </p:sld>
 </file>
 
-<file path=ppt/slides/slide4.xml><?xml version="1.0" encoding="utf-8"?>
-<p:sld xmlns:a="http://schemas.openxmlformats.org/drawingml/2006/main" xmlns:r="http://schemas.openxmlformats.org/officeDocument/2006/relationships" xmlns:p="http://schemas.openxmlformats.org/presentationml/2006/main">
-  <p:cSld>
-    <p:spTree>
-      <p:nvGrpSpPr>
-        <p:cNvPr id="1" name=""/>
-        <p:cNvGrpSpPr/>
-        <p:nvPr/>
-      </p:nvGrpSpPr>
-      <p:grpSpPr>
-        <a:xfrm>
-          <a:off x="0" y="0"/>
-          <a:ext cx="0" cy="0"/>
-          <a:chOff x="0" y="0"/>
-          <a:chExt cx="0" cy="0"/>
-        </a:xfrm>
-      </p:grpSpPr>
-      <p:sp>
-        <p:nvSpPr>
-          <p:cNvPr id="2" name="Title 1">
-            <a:extLst>
-              <a:ext uri="{FF2B5EF4-FFF2-40B4-BE49-F238E27FC236}">
-                <a16:creationId xmlns:a16="http://schemas.microsoft.com/office/drawing/2014/main" id="{2ED7D3B4-74A7-DC93-C5B8-259227176C4D}"/>
-              </a:ext>
-            </a:extLst>
-          </p:cNvPr>
-          <p:cNvSpPr>
-            <a:spLocks noGrp="1"/>
-          </p:cNvSpPr>
-          <p:nvPr>
-            <p:ph type="title"/>
-          </p:nvPr>
-        </p:nvSpPr>
-        <p:spPr/>
-        <p:txBody>
-          <a:bodyPr/>
-          <a:lstStyle/>
-          <a:p>
-            <a:r>
-              <a:rPr lang="en-US" dirty="0"/>
-              <a:t>Value Delivered</a:t>
-            </a:r>
-          </a:p>
-        </p:txBody>
-      </p:sp>
-      <p:sp>
-        <p:nvSpPr>
-          <p:cNvPr id="4" name="Text Placeholder 3">
-            <a:extLst>
-              <a:ext uri="{FF2B5EF4-FFF2-40B4-BE49-F238E27FC236}">
-                <a16:creationId xmlns:a16="http://schemas.microsoft.com/office/drawing/2014/main" id="{3047AD21-11E9-F300-AAC2-4DCDC8EEB045}"/>
-              </a:ext>
-            </a:extLst>
-          </p:cNvPr>
-          <p:cNvSpPr>
-            <a:spLocks noGrp="1"/>
-          </p:cNvSpPr>
-          <p:nvPr>
-            <p:ph type="body" sz="quarter" idx="14"/>
-          </p:nvPr>
-        </p:nvSpPr>
-        <p:spPr/>
-        <p:txBody>
-          <a:bodyPr/>
-          <a:lstStyle/>
-          <a:p>
-            <a:endParaRPr lang="en-US"/>
-          </a:p>
-        </p:txBody>
-      </p:sp>
-      <p:sp>
-        <p:nvSpPr>
-          <p:cNvPr id="7" name="Content Placeholder 6">
-            <a:extLst>
-              <a:ext uri="{FF2B5EF4-FFF2-40B4-BE49-F238E27FC236}">
-                <a16:creationId xmlns:a16="http://schemas.microsoft.com/office/drawing/2014/main" id="{07DBFD13-8619-9243-2A53-8C35B6566851}"/>
-              </a:ext>
-            </a:extLst>
-          </p:cNvPr>
-          <p:cNvSpPr>
-            <a:spLocks noGrp="1"/>
-          </p:cNvSpPr>
-          <p:nvPr>
-            <p:ph idx="1"/>
-          </p:nvPr>
-        </p:nvSpPr>
-        <p:spPr/>
-        <p:txBody>
-          <a:bodyPr/>
-          <a:lstStyle/>
-          <a:p>
-            <a:r>
-              <a:rPr lang="en-US" dirty="0"/>
-              <a:t> Faster and More Reliable Data Pipelines: Ensuring timely and accurate information for critical business decisions.</a:t>
-            </a:r>
-          </a:p>
-          <a:p>
-            <a:r>
-              <a:rPr lang="en-US" dirty="0"/>
-              <a:t> Significant Reduction in Manual Interventions: Freeing up valuable resources to focus on strategic initiatives.</a:t>
-            </a:r>
-          </a:p>
-          <a:p>
-            <a:r>
-              <a:rPr lang="en-US" dirty="0"/>
-              <a:t> Improved Data Accuracy and Availability: Leading to enhanced reporting and business insights.</a:t>
-            </a:r>
-          </a:p>
-          <a:p>
-            <a:r>
-              <a:rPr lang="en-US" dirty="0"/>
-              <a:t> Strong Foundation for Future Growth: Scalable architecture and reusable components support future integrations and expansions.</a:t>
-            </a:r>
-          </a:p>
-          <a:p>
-            <a:r>
-              <a:rPr lang="en-US" dirty="0"/>
-              <a:t> Reduced Technical Debt and Operational Risk: Improving system stability and maintainability.</a:t>
-            </a:r>
-          </a:p>
-        </p:txBody>
-      </p:sp>
-    </p:spTree>
-    <p:extLst>
-      <p:ext uri="{BB962C8B-B14F-4D97-AF65-F5344CB8AC3E}">
-        <p14:creationId xmlns:p14="http://schemas.microsoft.com/office/powerpoint/2010/main" val="3582845342"/>
-      </p:ext>
-    </p:extLst>
-  </p:cSld>
-  <p:clrMapOvr>
-    <a:masterClrMapping/>
-  </p:clrMapOvr>
-</p:sld>
-</file>
-
-<file path=ppt/slides/slide5.xml><?xml version="1.0" encoding="utf-8"?>
-<p:sld xmlns:a="http://schemas.openxmlformats.org/drawingml/2006/main" xmlns:r="http://schemas.openxmlformats.org/officeDocument/2006/relationships" xmlns:p="http://schemas.openxmlformats.org/presentationml/2006/main">
-  <p:cSld>
-    <p:spTree>
-      <p:nvGrpSpPr>
-        <p:cNvPr id="1" name=""/>
-        <p:cNvGrpSpPr/>
-        <p:nvPr/>
-      </p:nvGrpSpPr>
-      <p:grpSpPr>
-        <a:xfrm>
-          <a:off x="0" y="0"/>
-          <a:ext cx="0" cy="0"/>
-          <a:chOff x="0" y="0"/>
-          <a:chExt cx="0" cy="0"/>
-        </a:xfrm>
-      </p:grpSpPr>
-      <p:sp>
-        <p:nvSpPr>
-          <p:cNvPr id="2" name="Title 1">
-            <a:extLst>
-              <a:ext uri="{FF2B5EF4-FFF2-40B4-BE49-F238E27FC236}">
-                <a16:creationId xmlns:a16="http://schemas.microsoft.com/office/drawing/2014/main" id="{94C7B08E-D65B-1496-B819-6F085D14BA64}"/>
-              </a:ext>
-            </a:extLst>
-          </p:cNvPr>
-          <p:cNvSpPr>
-            <a:spLocks noGrp="1"/>
-          </p:cNvSpPr>
-          <p:nvPr>
-            <p:ph type="title"/>
-          </p:nvPr>
-        </p:nvSpPr>
-        <p:spPr/>
-        <p:txBody>
-          <a:bodyPr/>
-          <a:lstStyle/>
-          <a:p>
-            <a:r>
-              <a:rPr lang="en-US" dirty="0"/>
-              <a:t>Next Steps / Recommendations</a:t>
-            </a:r>
-          </a:p>
-        </p:txBody>
-      </p:sp>
-      <p:sp>
-        <p:nvSpPr>
-          <p:cNvPr id="3" name="Content Placeholder 2">
-            <a:extLst>
-              <a:ext uri="{FF2B5EF4-FFF2-40B4-BE49-F238E27FC236}">
-                <a16:creationId xmlns:a16="http://schemas.microsoft.com/office/drawing/2014/main" id="{F1981D7B-5360-16B5-3278-60C8CDFE0089}"/>
-              </a:ext>
-            </a:extLst>
-          </p:cNvPr>
-          <p:cNvSpPr>
-            <a:spLocks noGrp="1"/>
-          </p:cNvSpPr>
-          <p:nvPr>
-            <p:ph idx="1"/>
-          </p:nvPr>
-        </p:nvSpPr>
-        <p:spPr>
-          <a:xfrm>
-            <a:off x="370775" y="2111689"/>
-            <a:ext cx="11348852" cy="4525963"/>
-          </a:xfrm>
-        </p:spPr>
-        <p:txBody>
-          <a:bodyPr/>
-          <a:lstStyle/>
-          <a:p>
-            <a:pPr>
-              <a:buFont typeface="Wingdings" panose="05000000000000000000" pitchFamily="2" charset="2"/>
-              <a:buChar char="ü"/>
-            </a:pPr>
-            <a:r>
-              <a:rPr lang="en-US" dirty="0"/>
-              <a:t> Continuously monitor the stability and usage of the new integrations and automations.</a:t>
-            </a:r>
-          </a:p>
-          <a:p>
-            <a:pPr>
-              <a:buFont typeface="Wingdings" panose="05000000000000000000" pitchFamily="2" charset="2"/>
-              <a:buChar char="ü"/>
-            </a:pPr>
-            <a:r>
-              <a:rPr lang="en-US" dirty="0"/>
-              <a:t> Explore opportunities for securely exposing Location APIs to strategic partner networks.</a:t>
-            </a:r>
-          </a:p>
-          <a:p>
-            <a:pPr>
-              <a:buFont typeface="Wingdings" panose="05000000000000000000" pitchFamily="2" charset="2"/>
-              <a:buChar char="ü"/>
-            </a:pPr>
-            <a:r>
-              <a:rPr lang="en-US" dirty="0"/>
-              <a:t>  Consider ongoing enhancements and optimizations to further improve system performance and efficiency.</a:t>
-            </a:r>
-          </a:p>
-          <a:p>
-            <a:pPr>
-              <a:buFont typeface="Wingdings" panose="05000000000000000000" pitchFamily="2" charset="2"/>
-              <a:buChar char="ü"/>
-            </a:pPr>
-            <a:r>
-              <a:rPr lang="en-US" dirty="0"/>
-              <a:t> Define clear governance processes for the newly implemented automation workflows to ensure consistency and maintainability</a:t>
-            </a:r>
-          </a:p>
-        </p:txBody>
-      </p:sp>
-      <p:sp>
-        <p:nvSpPr>
-          <p:cNvPr id="4" name="Text Placeholder 3">
-            <a:extLst>
-              <a:ext uri="{FF2B5EF4-FFF2-40B4-BE49-F238E27FC236}">
-                <a16:creationId xmlns:a16="http://schemas.microsoft.com/office/drawing/2014/main" id="{324FDEF2-A290-85E4-F552-E2D6B1B00E28}"/>
-              </a:ext>
-            </a:extLst>
-          </p:cNvPr>
-          <p:cNvSpPr>
-            <a:spLocks noGrp="1"/>
-          </p:cNvSpPr>
-          <p:nvPr>
-            <p:ph type="body" sz="quarter" idx="14"/>
-          </p:nvPr>
-        </p:nvSpPr>
-        <p:spPr/>
-        <p:txBody>
-          <a:bodyPr/>
-          <a:lstStyle/>
-          <a:p>
-            <a:endParaRPr lang="en-US"/>
-          </a:p>
-        </p:txBody>
-      </p:sp>
-    </p:spTree>
-    <p:extLst>
-      <p:ext uri="{BB962C8B-B14F-4D97-AF65-F5344CB8AC3E}">
-        <p14:creationId xmlns:p14="http://schemas.microsoft.com/office/powerpoint/2010/main" val="3161273850"/>
-      </p:ext>
-    </p:extLst>
-  </p:cSld>
-  <p:clrMapOvr>
-    <a:masterClrMapping/>
-  </p:clrMapOvr>
-</p:sld>
-</file>
-
-<file path=ppt/slides/slide6.xml><?xml version="1.0" encoding="utf-8"?>
-<p:sld xmlns:a="http://schemas.openxmlformats.org/drawingml/2006/main" xmlns:r="http://schemas.openxmlformats.org/officeDocument/2006/relationships" xmlns:p="http://schemas.openxmlformats.org/presentationml/2006/main">
-  <p:cSld>
-    <p:spTree>
-      <p:nvGrpSpPr>
-        <p:cNvPr id="1" name=""/>
-        <p:cNvGrpSpPr/>
-        <p:nvPr/>
-      </p:nvGrpSpPr>
-      <p:grpSpPr>
-        <a:xfrm>
-          <a:off x="0" y="0"/>
-          <a:ext cx="0" cy="0"/>
-          <a:chOff x="0" y="0"/>
-          <a:chExt cx="0" cy="0"/>
-        </a:xfrm>
-      </p:grpSpPr>
-      <p:sp>
-        <p:nvSpPr>
-          <p:cNvPr id="2" name="Title 1">
-            <a:extLst>
-              <a:ext uri="{FF2B5EF4-FFF2-40B4-BE49-F238E27FC236}">
-                <a16:creationId xmlns:a16="http://schemas.microsoft.com/office/drawing/2014/main" id="{B7E8FAE3-4A7F-4778-FA8D-039B557D5C63}"/>
-              </a:ext>
-            </a:extLst>
-          </p:cNvPr>
-          <p:cNvSpPr>
-            <a:spLocks noGrp="1"/>
-          </p:cNvSpPr>
-          <p:nvPr>
-            <p:ph type="title"/>
-          </p:nvPr>
-        </p:nvSpPr>
-        <p:spPr>
-          <a:xfrm>
-            <a:off x="868421" y="3175416"/>
-            <a:ext cx="8326379" cy="642647"/>
-          </a:xfrm>
-        </p:spPr>
-        <p:txBody>
-          <a:bodyPr>
-            <a:normAutofit fontScale="90000"/>
-          </a:bodyPr>
-          <a:lstStyle/>
-          <a:p>
-            <a:r>
-              <a:rPr lang="en-US" sz="4000" dirty="0"/>
-              <a:t>Thank You</a:t>
-            </a:r>
-          </a:p>
-        </p:txBody>
-      </p:sp>
-      <p:sp>
-        <p:nvSpPr>
-          <p:cNvPr id="3" name="Text Placeholder 2">
-            <a:extLst>
-              <a:ext uri="{FF2B5EF4-FFF2-40B4-BE49-F238E27FC236}">
-                <a16:creationId xmlns:a16="http://schemas.microsoft.com/office/drawing/2014/main" id="{70C2A0D1-D6D4-8C88-CF9C-8BEDA93A2FCE}"/>
-              </a:ext>
-            </a:extLst>
-          </p:cNvPr>
-          <p:cNvSpPr>
-            <a:spLocks noGrp="1"/>
-          </p:cNvSpPr>
-          <p:nvPr>
-            <p:ph type="body" sz="quarter" idx="14"/>
-          </p:nvPr>
-        </p:nvSpPr>
-        <p:spPr/>
-        <p:txBody>
-          <a:bodyPr/>
-          <a:lstStyle/>
-          <a:p>
-            <a:endParaRPr lang="en-US"/>
-          </a:p>
-        </p:txBody>
-      </p:sp>
-      <p:pic>
-        <p:nvPicPr>
-          <p:cNvPr id="4" name="Picture 7">
-            <a:extLst>
-              <a:ext uri="{FF2B5EF4-FFF2-40B4-BE49-F238E27FC236}">
-                <a16:creationId xmlns:a16="http://schemas.microsoft.com/office/drawing/2014/main" id="{7746F264-BCED-D50A-8DAD-2F2EBA7AD8F1}"/>
-              </a:ext>
-            </a:extLst>
-          </p:cNvPr>
-          <p:cNvPicPr>
-            <a:picLocks noChangeAspect="1" noChangeArrowheads="1"/>
-          </p:cNvPicPr>
-          <p:nvPr/>
-        </p:nvPicPr>
-        <p:blipFill>
-          <a:blip r:embed="rId2" cstate="print">
-            <a:extLst>
-              <a:ext uri="{28A0092B-C50C-407E-A947-70E740481C1C}">
-                <a14:useLocalDpi xmlns:a14="http://schemas.microsoft.com/office/drawing/2010/main" val="0"/>
-              </a:ext>
-            </a:extLst>
-          </a:blip>
-          <a:srcRect/>
-          <a:stretch>
-            <a:fillRect/>
-          </a:stretch>
-        </p:blipFill>
-        <p:spPr bwMode="auto">
-          <a:xfrm>
-            <a:off x="320633" y="6398828"/>
-            <a:ext cx="1188883" cy="274601"/>
-          </a:xfrm>
-          <a:prstGeom prst="rect">
-            <a:avLst/>
-          </a:prstGeom>
-          <a:noFill/>
-          <a:ln>
-            <a:noFill/>
-          </a:ln>
-          <a:effectLst/>
-          <a:extLst>
-            <a:ext uri="{909E8E84-426E-40DD-AFC4-6F175D3DCCD1}">
-              <a14:hiddenFill xmlns:a14="http://schemas.microsoft.com/office/drawing/2010/main">
-                <a:blipFill dpi="0" rotWithShape="0">
-                  <a:blip/>
-                  <a:srcRect/>
-                  <a:stretch>
-                    <a:fillRect/>
-                  </a:stretch>
-                </a:blipFill>
-              </a14:hiddenFill>
-            </a:ext>
-            <a:ext uri="{91240B29-F687-4F45-9708-019B960494DF}">
-              <a14:hiddenLine xmlns:a14="http://schemas.microsoft.com/office/drawing/2010/main" w="9525">
-                <a:solidFill>
-                  <a:srgbClr val="808080"/>
-                </a:solidFill>
-                <a:round/>
-                <a:headEnd/>
-                <a:tailEnd/>
-              </a14:hiddenLine>
-            </a:ext>
-            <a:ext uri="{AF507438-7753-43E0-B8FC-AC1667EBCBE1}">
-              <a14:hiddenEffects xmlns:a14="http://schemas.microsoft.com/office/drawing/2010/main">
-                <a:effectLst>
-                  <a:outerShdw dist="35921" dir="2700000" algn="ctr" rotWithShape="0">
-                    <a:srgbClr val="808080"/>
-                  </a:outerShdw>
-                </a:effectLst>
-              </a14:hiddenEffects>
-            </a:ext>
-          </a:extLst>
-        </p:spPr>
-      </p:pic>
-    </p:spTree>
-    <p:extLst>
-      <p:ext uri="{BB962C8B-B14F-4D97-AF65-F5344CB8AC3E}">
-        <p14:creationId xmlns:p14="http://schemas.microsoft.com/office/powerpoint/2010/main" val="816734505"/>
-      </p:ext>
-    </p:extLst>
-  </p:cSld>
-  <p:clrMapOvr>
-    <a:masterClrMapping/>
-  </p:clrMapOvr>
-</p:sld>
-</file>
-
-<file path=ppt/slides/slide7.xml><?xml version="1.0" encoding="utf-8"?>
-<p:sld xmlns:a="http://schemas.openxmlformats.org/drawingml/2006/main" xmlns:r="http://schemas.openxmlformats.org/officeDocument/2006/relationships" xmlns:p="http://schemas.openxmlformats.org/presentationml/2006/main">
-  <p:cSld>
-    <p:spTree>
-      <p:nvGrpSpPr>
-        <p:cNvPr id="1" name=""/>
-        <p:cNvGrpSpPr/>
-        <p:nvPr/>
-      </p:nvGrpSpPr>
-      <p:grpSpPr>
-        <a:xfrm>
-          <a:off x="0" y="0"/>
-          <a:ext cx="0" cy="0"/>
-          <a:chOff x="0" y="0"/>
-          <a:chExt cx="0" cy="0"/>
-        </a:xfrm>
-      </p:grpSpPr>
-      <p:sp>
-        <p:nvSpPr>
-          <p:cNvPr id="2" name="Title 1">
-            <a:extLst>
-              <a:ext uri="{FF2B5EF4-FFF2-40B4-BE49-F238E27FC236}">
-                <a16:creationId xmlns:a16="http://schemas.microsoft.com/office/drawing/2014/main" id="{137DD384-6978-DFC7-68A8-16941EC86FE0}"/>
-              </a:ext>
-            </a:extLst>
-          </p:cNvPr>
-          <p:cNvSpPr>
-            <a:spLocks noGrp="1"/>
-          </p:cNvSpPr>
-          <p:nvPr>
-            <p:ph type="title"/>
-          </p:nvPr>
-        </p:nvSpPr>
-        <p:spPr>
-          <a:xfrm>
-            <a:off x="2205223" y="2984916"/>
-            <a:ext cx="8326379" cy="642647"/>
-          </a:xfrm>
-        </p:spPr>
-        <p:txBody>
-          <a:bodyPr/>
-          <a:lstStyle/>
-          <a:p>
-            <a:r>
-              <a:rPr lang="en-US" dirty="0"/>
-              <a:t>APPENDIX</a:t>
-            </a:r>
-          </a:p>
-        </p:txBody>
-      </p:sp>
-      <p:sp>
-        <p:nvSpPr>
-          <p:cNvPr id="3" name="Text Placeholder 2">
-            <a:extLst>
-              <a:ext uri="{FF2B5EF4-FFF2-40B4-BE49-F238E27FC236}">
-                <a16:creationId xmlns:a16="http://schemas.microsoft.com/office/drawing/2014/main" id="{3293DCD8-7731-8B0D-6D23-587CC837E7C8}"/>
-              </a:ext>
-            </a:extLst>
-          </p:cNvPr>
-          <p:cNvSpPr>
-            <a:spLocks noGrp="1"/>
-          </p:cNvSpPr>
-          <p:nvPr>
-            <p:ph type="body" sz="quarter" idx="14"/>
-          </p:nvPr>
-        </p:nvSpPr>
-        <p:spPr/>
-        <p:txBody>
-          <a:bodyPr/>
-          <a:lstStyle/>
-          <a:p>
-            <a:endParaRPr lang="en-US"/>
-          </a:p>
-        </p:txBody>
-      </p:sp>
-    </p:spTree>
-    <p:extLst>
-      <p:ext uri="{BB962C8B-B14F-4D97-AF65-F5344CB8AC3E}">
-        <p14:creationId xmlns:p14="http://schemas.microsoft.com/office/powerpoint/2010/main" val="3569223707"/>
-      </p:ext>
-    </p:extLst>
-  </p:cSld>
-  <p:clrMapOvr>
-    <a:masterClrMapping/>
-  </p:clrMapOvr>
-</p:sld>
-</file>
-
-<file path=ppt/slides/slide8.xml><?xml version="1.0" encoding="utf-8"?>
+<file path=ppt/slides/slide9.xml><?xml version="1.0" encoding="utf-8"?>
 <p:sld xmlns:a="http://schemas.openxmlformats.org/drawingml/2006/main" xmlns:r="http://schemas.openxmlformats.org/officeDocument/2006/relationships" xmlns:p="http://schemas.openxmlformats.org/presentationml/2006/main">
   <p:cSld>
     <p:spTree>
@@ -14208,6 +14630,15 @@
 </file>
 
 <file path=customXml/item1.xml><?xml version="1.0" encoding="utf-8"?>
+<?mso-contentType ?>
+<FormTemplates xmlns="http://schemas.microsoft.com/sharepoint/v3/contenttype/forms">
+  <Display>DocumentLibraryForm</Display>
+  <Edit>DocumentLibraryForm</Edit>
+  <New>DocumentLibraryForm</New>
+</FormTemplates>
+</file>
+
+<file path=customXml/item2.xml><?xml version="1.0" encoding="utf-8"?>
 <ct:contentTypeSchema xmlns:ct="http://schemas.microsoft.com/office/2006/metadata/contentType" xmlns:ma="http://schemas.microsoft.com/office/2006/metadata/properties/metaAttributes" ct:_="" ma:_="" ma:contentTypeName="Document" ma:contentTypeID="0x01010024FE937E6F27FB42A7CA52E85647C6C1" ma:contentTypeVersion="13" ma:contentTypeDescription="Create a new document." ma:contentTypeScope="" ma:versionID="df53de324aed6e293ca2b0ad8fef684b">
   <xsd:schema xmlns:xsd="http://www.w3.org/2001/XMLSchema" xmlns:xs="http://www.w3.org/2001/XMLSchema" xmlns:p="http://schemas.microsoft.com/office/2006/metadata/properties" xmlns:ns2="2d971b4b-3871-4fed-95a2-90db307505b7" xmlns:ns3="097baaf9-fe6e-444b-a443-f8829fe0d752" targetNamespace="http://schemas.microsoft.com/office/2006/metadata/properties" ma:root="true" ma:fieldsID="4fbc839c39948e18e0d4bc26f6c26024" ns2:_="" ns3:_="">
     <xsd:import namespace="2d971b4b-3871-4fed-95a2-90db307505b7"/>
@@ -14430,15 +14861,6 @@
 </ct:contentTypeSchema>
 </file>
 
-<file path=customXml/item2.xml><?xml version="1.0" encoding="utf-8"?>
-<?mso-contentType ?>
-<FormTemplates xmlns="http://schemas.microsoft.com/sharepoint/v3/contenttype/forms">
-  <Display>DocumentLibraryForm</Display>
-  <Edit>DocumentLibraryForm</Edit>
-  <New>DocumentLibraryForm</New>
-</FormTemplates>
-</file>
-
 <file path=customXml/item3.xml><?xml version="1.0" encoding="utf-8"?>
 <p:properties xmlns:p="http://schemas.microsoft.com/office/2006/metadata/properties" xmlns:xsi="http://www.w3.org/2001/XMLSchema-instance" xmlns:pc="http://schemas.microsoft.com/office/infopath/2007/PartnerControls">
   <documentManagement>
@@ -14451,6 +14873,14 @@
 </file>
 
 <file path=customXml/itemProps1.xml><?xml version="1.0" encoding="utf-8"?>
+<ds:datastoreItem xmlns:ds="http://schemas.openxmlformats.org/officeDocument/2006/customXml" ds:itemID="{BBDCC7CE-AD1B-407C-ABD7-17D7FFE6BDC3}">
+  <ds:schemaRefs>
+    <ds:schemaRef ds:uri="http://schemas.microsoft.com/sharepoint/v3/contenttype/forms"/>
+  </ds:schemaRefs>
+</ds:datastoreItem>
+</file>
+
+<file path=customXml/itemProps2.xml><?xml version="1.0" encoding="utf-8"?>
 <ds:datastoreItem xmlns:ds="http://schemas.openxmlformats.org/officeDocument/2006/customXml" ds:itemID="{1FBE454C-03EE-499C-B76B-641C40AF6776}">
   <ds:schemaRefs>
     <ds:schemaRef ds:uri="http://schemas.microsoft.com/office/2006/metadata/contentType"/>
@@ -14465,14 +14895,6 @@
     <ds:schemaRef ds:uri="http://purl.org/dc/elements/1.1/"/>
     <ds:schemaRef ds:uri="http://purl.org/dc/terms/"/>
     <ds:schemaRef ds:uri="http://schemas.microsoft.com/internal/obd"/>
-  </ds:schemaRefs>
-</ds:datastoreItem>
-</file>
-
-<file path=customXml/itemProps2.xml><?xml version="1.0" encoding="utf-8"?>
-<ds:datastoreItem xmlns:ds="http://schemas.openxmlformats.org/officeDocument/2006/customXml" ds:itemID="{BBDCC7CE-AD1B-407C-ABD7-17D7FFE6BDC3}">
-  <ds:schemaRefs>
-    <ds:schemaRef ds:uri="http://schemas.microsoft.com/sharepoint/v3/contenttype/forms"/>
   </ds:schemaRefs>
 </ds:datastoreItem>
 </file>
